--- a/生命聖詩/(生命聖詩08)榮耀歸於真神.pptx
+++ b/生命聖詩/(生命聖詩08)榮耀歸於真神.pptx
@@ -5,15 +5,19 @@
     <p:sldMasterId id="2147483660" r:id="rId1"/>
   </p:sldMasterIdLst>
   <p:sldIdLst>
-    <p:sldId id="256" r:id="rId2"/>
-    <p:sldId id="257" r:id="rId3"/>
-    <p:sldId id="262" r:id="rId4"/>
-    <p:sldId id="258" r:id="rId5"/>
-    <p:sldId id="263" r:id="rId6"/>
-    <p:sldId id="264" r:id="rId7"/>
-    <p:sldId id="260" r:id="rId8"/>
-    <p:sldId id="265" r:id="rId9"/>
-    <p:sldId id="266" r:id="rId10"/>
+    <p:sldId id="490" r:id="rId2"/>
+    <p:sldId id="491" r:id="rId3"/>
+    <p:sldId id="492" r:id="rId4"/>
+    <p:sldId id="493" r:id="rId5"/>
+    <p:sldId id="494" r:id="rId6"/>
+    <p:sldId id="495" r:id="rId7"/>
+    <p:sldId id="496" r:id="rId8"/>
+    <p:sldId id="499" r:id="rId9"/>
+    <p:sldId id="500" r:id="rId10"/>
+    <p:sldId id="497" r:id="rId11"/>
+    <p:sldId id="498" r:id="rId12"/>
+    <p:sldId id="501" r:id="rId13"/>
+    <p:sldId id="502" r:id="rId14"/>
   </p:sldIdLst>
   <p:sldSz cx="12192000" cy="6858000"/>
   <p:notesSz cx="6858000" cy="9144000"/>
@@ -169,10 +173,9 @@
           <a:lstStyle/>
           <a:p>
             <a:r>
-              <a:rPr lang="zh-TW" altLang="en-US" smtClean="0"/>
+              <a:rPr lang="zh-TW" altLang="en-US"/>
               <a:t>按一下以編輯母片標題樣式</a:t>
             </a:r>
-            <a:endParaRPr lang="zh-TW" altLang="en-US"/>
           </a:p>
         </p:txBody>
       </p:sp>
@@ -288,10 +291,9 @@
           </a:lstStyle>
           <a:p>
             <a:r>
-              <a:rPr lang="zh-TW" altLang="en-US" smtClean="0"/>
+              <a:rPr lang="zh-TW" altLang="en-US"/>
               <a:t>按一下以編輯母片副標題樣式</a:t>
             </a:r>
-            <a:endParaRPr lang="zh-TW" altLang="en-US"/>
           </a:p>
         </p:txBody>
       </p:sp>
@@ -313,7 +315,7 @@
             <a:fld id="{8B9173F3-6C38-4885-B6B6-FAC70369B588}" type="datetimeFigureOut">
               <a:rPr lang="zh-TW" altLang="en-US" smtClean="0"/>
               <a:pPr/>
-              <a:t>2020/1/24</a:t>
+              <a:t>2024/1/26</a:t>
             </a:fld>
             <a:endParaRPr lang="zh-TW" altLang="en-US"/>
           </a:p>
@@ -403,10 +405,9 @@
           <a:lstStyle/>
           <a:p>
             <a:r>
-              <a:rPr lang="zh-TW" altLang="en-US" smtClean="0"/>
+              <a:rPr lang="zh-TW" altLang="en-US"/>
               <a:t>按一下以編輯母片標題樣式</a:t>
             </a:r>
-            <a:endParaRPr lang="zh-TW" altLang="en-US"/>
           </a:p>
         </p:txBody>
       </p:sp>
@@ -427,38 +428,37 @@
           <a:p>
             <a:pPr lvl="0"/>
             <a:r>
-              <a:rPr lang="zh-TW" altLang="en-US" smtClean="0"/>
+              <a:rPr lang="zh-TW" altLang="en-US"/>
               <a:t>按一下以編輯母片文字樣式</a:t>
             </a:r>
           </a:p>
           <a:p>
             <a:pPr lvl="1"/>
             <a:r>
-              <a:rPr lang="zh-TW" altLang="en-US" smtClean="0"/>
+              <a:rPr lang="zh-TW" altLang="en-US"/>
               <a:t>第二層</a:t>
             </a:r>
           </a:p>
           <a:p>
             <a:pPr lvl="2"/>
             <a:r>
-              <a:rPr lang="zh-TW" altLang="en-US" smtClean="0"/>
+              <a:rPr lang="zh-TW" altLang="en-US"/>
               <a:t>第三層</a:t>
             </a:r>
           </a:p>
           <a:p>
             <a:pPr lvl="3"/>
             <a:r>
-              <a:rPr lang="zh-TW" altLang="en-US" smtClean="0"/>
+              <a:rPr lang="zh-TW" altLang="en-US"/>
               <a:t>第四層</a:t>
             </a:r>
           </a:p>
           <a:p>
             <a:pPr lvl="4"/>
             <a:r>
-              <a:rPr lang="zh-TW" altLang="en-US" smtClean="0"/>
+              <a:rPr lang="zh-TW" altLang="en-US"/>
               <a:t>第五層</a:t>
             </a:r>
-            <a:endParaRPr lang="zh-TW" altLang="en-US"/>
           </a:p>
         </p:txBody>
       </p:sp>
@@ -480,7 +480,7 @@
             <a:fld id="{8B9173F3-6C38-4885-B6B6-FAC70369B588}" type="datetimeFigureOut">
               <a:rPr lang="zh-TW" altLang="en-US" smtClean="0"/>
               <a:pPr/>
-              <a:t>2020/1/24</a:t>
+              <a:t>2024/1/26</a:t>
             </a:fld>
             <a:endParaRPr lang="zh-TW" altLang="en-US"/>
           </a:p>
@@ -575,10 +575,9 @@
           <a:lstStyle/>
           <a:p>
             <a:r>
-              <a:rPr lang="zh-TW" altLang="en-US" smtClean="0"/>
+              <a:rPr lang="zh-TW" altLang="en-US"/>
               <a:t>按一下以編輯母片標題樣式</a:t>
             </a:r>
-            <a:endParaRPr lang="zh-TW" altLang="en-US"/>
           </a:p>
         </p:txBody>
       </p:sp>
@@ -604,38 +603,37 @@
           <a:p>
             <a:pPr lvl="0"/>
             <a:r>
-              <a:rPr lang="zh-TW" altLang="en-US" smtClean="0"/>
+              <a:rPr lang="zh-TW" altLang="en-US"/>
               <a:t>按一下以編輯母片文字樣式</a:t>
             </a:r>
           </a:p>
           <a:p>
             <a:pPr lvl="1"/>
             <a:r>
-              <a:rPr lang="zh-TW" altLang="en-US" smtClean="0"/>
+              <a:rPr lang="zh-TW" altLang="en-US"/>
               <a:t>第二層</a:t>
             </a:r>
           </a:p>
           <a:p>
             <a:pPr lvl="2"/>
             <a:r>
-              <a:rPr lang="zh-TW" altLang="en-US" smtClean="0"/>
+              <a:rPr lang="zh-TW" altLang="en-US"/>
               <a:t>第三層</a:t>
             </a:r>
           </a:p>
           <a:p>
             <a:pPr lvl="3"/>
             <a:r>
-              <a:rPr lang="zh-TW" altLang="en-US" smtClean="0"/>
+              <a:rPr lang="zh-TW" altLang="en-US"/>
               <a:t>第四層</a:t>
             </a:r>
           </a:p>
           <a:p>
             <a:pPr lvl="4"/>
             <a:r>
-              <a:rPr lang="zh-TW" altLang="en-US" smtClean="0"/>
+              <a:rPr lang="zh-TW" altLang="en-US"/>
               <a:t>第五層</a:t>
             </a:r>
-            <a:endParaRPr lang="zh-TW" altLang="en-US"/>
           </a:p>
         </p:txBody>
       </p:sp>
@@ -657,7 +655,7 @@
             <a:fld id="{8B9173F3-6C38-4885-B6B6-FAC70369B588}" type="datetimeFigureOut">
               <a:rPr lang="zh-TW" altLang="en-US" smtClean="0"/>
               <a:pPr/>
-              <a:t>2020/1/24</a:t>
+              <a:t>2024/1/26</a:t>
             </a:fld>
             <a:endParaRPr lang="zh-TW" altLang="en-US"/>
           </a:p>
@@ -747,10 +745,9 @@
           <a:lstStyle/>
           <a:p>
             <a:r>
-              <a:rPr lang="zh-TW" altLang="en-US" smtClean="0"/>
+              <a:rPr lang="zh-TW" altLang="en-US"/>
               <a:t>按一下以編輯母片標題樣式</a:t>
             </a:r>
-            <a:endParaRPr lang="zh-TW" altLang="en-US"/>
           </a:p>
         </p:txBody>
       </p:sp>
@@ -771,38 +768,37 @@
           <a:p>
             <a:pPr lvl="0"/>
             <a:r>
-              <a:rPr lang="zh-TW" altLang="en-US" smtClean="0"/>
+              <a:rPr lang="zh-TW" altLang="en-US"/>
               <a:t>按一下以編輯母片文字樣式</a:t>
             </a:r>
           </a:p>
           <a:p>
             <a:pPr lvl="1"/>
             <a:r>
-              <a:rPr lang="zh-TW" altLang="en-US" smtClean="0"/>
+              <a:rPr lang="zh-TW" altLang="en-US"/>
               <a:t>第二層</a:t>
             </a:r>
           </a:p>
           <a:p>
             <a:pPr lvl="2"/>
             <a:r>
-              <a:rPr lang="zh-TW" altLang="en-US" smtClean="0"/>
+              <a:rPr lang="zh-TW" altLang="en-US"/>
               <a:t>第三層</a:t>
             </a:r>
           </a:p>
           <a:p>
             <a:pPr lvl="3"/>
             <a:r>
-              <a:rPr lang="zh-TW" altLang="en-US" smtClean="0"/>
+              <a:rPr lang="zh-TW" altLang="en-US"/>
               <a:t>第四層</a:t>
             </a:r>
           </a:p>
           <a:p>
             <a:pPr lvl="4"/>
             <a:r>
-              <a:rPr lang="zh-TW" altLang="en-US" smtClean="0"/>
+              <a:rPr lang="zh-TW" altLang="en-US"/>
               <a:t>第五層</a:t>
             </a:r>
-            <a:endParaRPr lang="zh-TW" altLang="en-US"/>
           </a:p>
         </p:txBody>
       </p:sp>
@@ -824,7 +820,7 @@
             <a:fld id="{8B9173F3-6C38-4885-B6B6-FAC70369B588}" type="datetimeFigureOut">
               <a:rPr lang="zh-TW" altLang="en-US" smtClean="0"/>
               <a:pPr/>
-              <a:t>2020/1/24</a:t>
+              <a:t>2024/1/26</a:t>
             </a:fld>
             <a:endParaRPr lang="zh-TW" altLang="en-US"/>
           </a:p>
@@ -923,10 +919,9 @@
           </a:lstStyle>
           <a:p>
             <a:r>
-              <a:rPr lang="zh-TW" altLang="en-US" smtClean="0"/>
+              <a:rPr lang="zh-TW" altLang="en-US"/>
               <a:t>按一下以編輯母片標題樣式</a:t>
             </a:r>
-            <a:endParaRPr lang="zh-TW" altLang="en-US"/>
           </a:p>
         </p:txBody>
       </p:sp>
@@ -1043,7 +1038,7 @@
           <a:p>
             <a:pPr lvl="0"/>
             <a:r>
-              <a:rPr lang="zh-TW" altLang="en-US" smtClean="0"/>
+              <a:rPr lang="zh-TW" altLang="en-US"/>
               <a:t>按一下以編輯母片文字樣式</a:t>
             </a:r>
           </a:p>
@@ -1067,7 +1062,7 @@
             <a:fld id="{8B9173F3-6C38-4885-B6B6-FAC70369B588}" type="datetimeFigureOut">
               <a:rPr lang="zh-TW" altLang="en-US" smtClean="0"/>
               <a:pPr/>
-              <a:t>2020/1/24</a:t>
+              <a:t>2024/1/26</a:t>
             </a:fld>
             <a:endParaRPr lang="zh-TW" altLang="en-US"/>
           </a:p>
@@ -1157,10 +1152,9 @@
           <a:lstStyle/>
           <a:p>
             <a:r>
-              <a:rPr lang="zh-TW" altLang="en-US" smtClean="0"/>
+              <a:rPr lang="zh-TW" altLang="en-US"/>
               <a:t>按一下以編輯母片標題樣式</a:t>
             </a:r>
-            <a:endParaRPr lang="zh-TW" altLang="en-US"/>
           </a:p>
         </p:txBody>
       </p:sp>
@@ -1214,38 +1208,37 @@
           <a:p>
             <a:pPr lvl="0"/>
             <a:r>
-              <a:rPr lang="zh-TW" altLang="en-US" smtClean="0"/>
+              <a:rPr lang="zh-TW" altLang="en-US"/>
               <a:t>按一下以編輯母片文字樣式</a:t>
             </a:r>
           </a:p>
           <a:p>
             <a:pPr lvl="1"/>
             <a:r>
-              <a:rPr lang="zh-TW" altLang="en-US" smtClean="0"/>
+              <a:rPr lang="zh-TW" altLang="en-US"/>
               <a:t>第二層</a:t>
             </a:r>
           </a:p>
           <a:p>
             <a:pPr lvl="2"/>
             <a:r>
-              <a:rPr lang="zh-TW" altLang="en-US" smtClean="0"/>
+              <a:rPr lang="zh-TW" altLang="en-US"/>
               <a:t>第三層</a:t>
             </a:r>
           </a:p>
           <a:p>
             <a:pPr lvl="3"/>
             <a:r>
-              <a:rPr lang="zh-TW" altLang="en-US" smtClean="0"/>
+              <a:rPr lang="zh-TW" altLang="en-US"/>
               <a:t>第四層</a:t>
             </a:r>
           </a:p>
           <a:p>
             <a:pPr lvl="4"/>
             <a:r>
-              <a:rPr lang="zh-TW" altLang="en-US" smtClean="0"/>
+              <a:rPr lang="zh-TW" altLang="en-US"/>
               <a:t>第五層</a:t>
             </a:r>
-            <a:endParaRPr lang="zh-TW" altLang="en-US"/>
           </a:p>
         </p:txBody>
       </p:sp>
@@ -1299,38 +1292,37 @@
           <a:p>
             <a:pPr lvl="0"/>
             <a:r>
-              <a:rPr lang="zh-TW" altLang="en-US" smtClean="0"/>
+              <a:rPr lang="zh-TW" altLang="en-US"/>
               <a:t>按一下以編輯母片文字樣式</a:t>
             </a:r>
           </a:p>
           <a:p>
             <a:pPr lvl="1"/>
             <a:r>
-              <a:rPr lang="zh-TW" altLang="en-US" smtClean="0"/>
+              <a:rPr lang="zh-TW" altLang="en-US"/>
               <a:t>第二層</a:t>
             </a:r>
           </a:p>
           <a:p>
             <a:pPr lvl="2"/>
             <a:r>
-              <a:rPr lang="zh-TW" altLang="en-US" smtClean="0"/>
+              <a:rPr lang="zh-TW" altLang="en-US"/>
               <a:t>第三層</a:t>
             </a:r>
           </a:p>
           <a:p>
             <a:pPr lvl="3"/>
             <a:r>
-              <a:rPr lang="zh-TW" altLang="en-US" smtClean="0"/>
+              <a:rPr lang="zh-TW" altLang="en-US"/>
               <a:t>第四層</a:t>
             </a:r>
           </a:p>
           <a:p>
             <a:pPr lvl="4"/>
             <a:r>
-              <a:rPr lang="zh-TW" altLang="en-US" smtClean="0"/>
+              <a:rPr lang="zh-TW" altLang="en-US"/>
               <a:t>第五層</a:t>
             </a:r>
-            <a:endParaRPr lang="zh-TW" altLang="en-US"/>
           </a:p>
         </p:txBody>
       </p:sp>
@@ -1352,7 +1344,7 @@
             <a:fld id="{8B9173F3-6C38-4885-B6B6-FAC70369B588}" type="datetimeFigureOut">
               <a:rPr lang="zh-TW" altLang="en-US" smtClean="0"/>
               <a:pPr/>
-              <a:t>2020/1/24</a:t>
+              <a:t>2024/1/26</a:t>
             </a:fld>
             <a:endParaRPr lang="zh-TW" altLang="en-US"/>
           </a:p>
@@ -1446,10 +1438,9 @@
           </a:lstStyle>
           <a:p>
             <a:r>
-              <a:rPr lang="zh-TW" altLang="en-US" smtClean="0"/>
+              <a:rPr lang="zh-TW" altLang="en-US"/>
               <a:t>按一下以編輯母片標題樣式</a:t>
             </a:r>
-            <a:endParaRPr lang="zh-TW" altLang="en-US"/>
           </a:p>
         </p:txBody>
       </p:sp>
@@ -1512,7 +1503,7 @@
           <a:p>
             <a:pPr lvl="0"/>
             <a:r>
-              <a:rPr lang="zh-TW" altLang="en-US" smtClean="0"/>
+              <a:rPr lang="zh-TW" altLang="en-US"/>
               <a:t>按一下以編輯母片文字樣式</a:t>
             </a:r>
           </a:p>
@@ -1568,38 +1559,37 @@
           <a:p>
             <a:pPr lvl="0"/>
             <a:r>
-              <a:rPr lang="zh-TW" altLang="en-US" smtClean="0"/>
+              <a:rPr lang="zh-TW" altLang="en-US"/>
               <a:t>按一下以編輯母片文字樣式</a:t>
             </a:r>
           </a:p>
           <a:p>
             <a:pPr lvl="1"/>
             <a:r>
-              <a:rPr lang="zh-TW" altLang="en-US" smtClean="0"/>
+              <a:rPr lang="zh-TW" altLang="en-US"/>
               <a:t>第二層</a:t>
             </a:r>
           </a:p>
           <a:p>
             <a:pPr lvl="2"/>
             <a:r>
-              <a:rPr lang="zh-TW" altLang="en-US" smtClean="0"/>
+              <a:rPr lang="zh-TW" altLang="en-US"/>
               <a:t>第三層</a:t>
             </a:r>
           </a:p>
           <a:p>
             <a:pPr lvl="3"/>
             <a:r>
-              <a:rPr lang="zh-TW" altLang="en-US" smtClean="0"/>
+              <a:rPr lang="zh-TW" altLang="en-US"/>
               <a:t>第四層</a:t>
             </a:r>
           </a:p>
           <a:p>
             <a:pPr lvl="4"/>
             <a:r>
-              <a:rPr lang="zh-TW" altLang="en-US" smtClean="0"/>
+              <a:rPr lang="zh-TW" altLang="en-US"/>
               <a:t>第五層</a:t>
             </a:r>
-            <a:endParaRPr lang="zh-TW" altLang="en-US"/>
           </a:p>
         </p:txBody>
       </p:sp>
@@ -1662,7 +1652,7 @@
           <a:p>
             <a:pPr lvl="0"/>
             <a:r>
-              <a:rPr lang="zh-TW" altLang="en-US" smtClean="0"/>
+              <a:rPr lang="zh-TW" altLang="en-US"/>
               <a:t>按一下以編輯母片文字樣式</a:t>
             </a:r>
           </a:p>
@@ -1718,38 +1708,37 @@
           <a:p>
             <a:pPr lvl="0"/>
             <a:r>
-              <a:rPr lang="zh-TW" altLang="en-US" smtClean="0"/>
+              <a:rPr lang="zh-TW" altLang="en-US"/>
               <a:t>按一下以編輯母片文字樣式</a:t>
             </a:r>
           </a:p>
           <a:p>
             <a:pPr lvl="1"/>
             <a:r>
-              <a:rPr lang="zh-TW" altLang="en-US" smtClean="0"/>
+              <a:rPr lang="zh-TW" altLang="en-US"/>
               <a:t>第二層</a:t>
             </a:r>
           </a:p>
           <a:p>
             <a:pPr lvl="2"/>
             <a:r>
-              <a:rPr lang="zh-TW" altLang="en-US" smtClean="0"/>
+              <a:rPr lang="zh-TW" altLang="en-US"/>
               <a:t>第三層</a:t>
             </a:r>
           </a:p>
           <a:p>
             <a:pPr lvl="3"/>
             <a:r>
-              <a:rPr lang="zh-TW" altLang="en-US" smtClean="0"/>
+              <a:rPr lang="zh-TW" altLang="en-US"/>
               <a:t>第四層</a:t>
             </a:r>
           </a:p>
           <a:p>
             <a:pPr lvl="4"/>
             <a:r>
-              <a:rPr lang="zh-TW" altLang="en-US" smtClean="0"/>
+              <a:rPr lang="zh-TW" altLang="en-US"/>
               <a:t>第五層</a:t>
             </a:r>
-            <a:endParaRPr lang="zh-TW" altLang="en-US"/>
           </a:p>
         </p:txBody>
       </p:sp>
@@ -1771,7 +1760,7 @@
             <a:fld id="{8B9173F3-6C38-4885-B6B6-FAC70369B588}" type="datetimeFigureOut">
               <a:rPr lang="zh-TW" altLang="en-US" smtClean="0"/>
               <a:pPr/>
-              <a:t>2020/1/24</a:t>
+              <a:t>2024/1/26</a:t>
             </a:fld>
             <a:endParaRPr lang="zh-TW" altLang="en-US"/>
           </a:p>
@@ -1861,10 +1850,9 @@
           <a:lstStyle/>
           <a:p>
             <a:r>
-              <a:rPr lang="zh-TW" altLang="en-US" smtClean="0"/>
+              <a:rPr lang="zh-TW" altLang="en-US"/>
               <a:t>按一下以編輯母片標題樣式</a:t>
             </a:r>
-            <a:endParaRPr lang="zh-TW" altLang="en-US"/>
           </a:p>
         </p:txBody>
       </p:sp>
@@ -1886,7 +1874,7 @@
             <a:fld id="{8B9173F3-6C38-4885-B6B6-FAC70369B588}" type="datetimeFigureOut">
               <a:rPr lang="zh-TW" altLang="en-US" smtClean="0"/>
               <a:pPr/>
-              <a:t>2020/1/24</a:t>
+              <a:t>2024/1/26</a:t>
             </a:fld>
             <a:endParaRPr lang="zh-TW" altLang="en-US"/>
           </a:p>
@@ -1978,7 +1966,7 @@
             <a:fld id="{8B9173F3-6C38-4885-B6B6-FAC70369B588}" type="datetimeFigureOut">
               <a:rPr lang="zh-TW" altLang="en-US" smtClean="0"/>
               <a:pPr/>
-              <a:t>2020/1/24</a:t>
+              <a:t>2024/1/26</a:t>
             </a:fld>
             <a:endParaRPr lang="zh-TW" altLang="en-US"/>
           </a:p>
@@ -2077,10 +2065,9 @@
           </a:lstStyle>
           <a:p>
             <a:r>
-              <a:rPr lang="zh-TW" altLang="en-US" smtClean="0"/>
+              <a:rPr lang="zh-TW" altLang="en-US"/>
               <a:t>按一下以編輯母片標題樣式</a:t>
             </a:r>
-            <a:endParaRPr lang="zh-TW" altLang="en-US"/>
           </a:p>
         </p:txBody>
       </p:sp>
@@ -2134,38 +2121,37 @@
           <a:p>
             <a:pPr lvl="0"/>
             <a:r>
-              <a:rPr lang="zh-TW" altLang="en-US" smtClean="0"/>
+              <a:rPr lang="zh-TW" altLang="en-US"/>
               <a:t>按一下以編輯母片文字樣式</a:t>
             </a:r>
           </a:p>
           <a:p>
             <a:pPr lvl="1"/>
             <a:r>
-              <a:rPr lang="zh-TW" altLang="en-US" smtClean="0"/>
+              <a:rPr lang="zh-TW" altLang="en-US"/>
               <a:t>第二層</a:t>
             </a:r>
           </a:p>
           <a:p>
             <a:pPr lvl="2"/>
             <a:r>
-              <a:rPr lang="zh-TW" altLang="en-US" smtClean="0"/>
+              <a:rPr lang="zh-TW" altLang="en-US"/>
               <a:t>第三層</a:t>
             </a:r>
           </a:p>
           <a:p>
             <a:pPr lvl="3"/>
             <a:r>
-              <a:rPr lang="zh-TW" altLang="en-US" smtClean="0"/>
+              <a:rPr lang="zh-TW" altLang="en-US"/>
               <a:t>第四層</a:t>
             </a:r>
           </a:p>
           <a:p>
             <a:pPr lvl="4"/>
             <a:r>
-              <a:rPr lang="zh-TW" altLang="en-US" smtClean="0"/>
+              <a:rPr lang="zh-TW" altLang="en-US"/>
               <a:t>第五層</a:t>
             </a:r>
-            <a:endParaRPr lang="zh-TW" altLang="en-US"/>
           </a:p>
         </p:txBody>
       </p:sp>
@@ -2228,7 +2214,7 @@
           <a:p>
             <a:pPr lvl="0"/>
             <a:r>
-              <a:rPr lang="zh-TW" altLang="en-US" smtClean="0"/>
+              <a:rPr lang="zh-TW" altLang="en-US"/>
               <a:t>按一下以編輯母片文字樣式</a:t>
             </a:r>
           </a:p>
@@ -2252,7 +2238,7 @@
             <a:fld id="{8B9173F3-6C38-4885-B6B6-FAC70369B588}" type="datetimeFigureOut">
               <a:rPr lang="zh-TW" altLang="en-US" smtClean="0"/>
               <a:pPr/>
-              <a:t>2020/1/24</a:t>
+              <a:t>2024/1/26</a:t>
             </a:fld>
             <a:endParaRPr lang="zh-TW" altLang="en-US"/>
           </a:p>
@@ -2351,10 +2337,9 @@
           </a:lstStyle>
           <a:p>
             <a:r>
-              <a:rPr lang="zh-TW" altLang="en-US" smtClean="0"/>
+              <a:rPr lang="zh-TW" altLang="en-US"/>
               <a:t>按一下以編輯母片標題樣式</a:t>
             </a:r>
-            <a:endParaRPr lang="zh-TW" altLang="en-US"/>
           </a:p>
         </p:txBody>
       </p:sp>
@@ -2416,10 +2401,9 @@
           </a:lstStyle>
           <a:p>
             <a:r>
-              <a:rPr lang="zh-TW" altLang="en-US" smtClean="0"/>
+              <a:rPr lang="zh-TW" altLang="en-US"/>
               <a:t>按一下圖示以新增圖片</a:t>
             </a:r>
-            <a:endParaRPr lang="zh-TW" altLang="en-US"/>
           </a:p>
         </p:txBody>
       </p:sp>
@@ -2482,7 +2466,7 @@
           <a:p>
             <a:pPr lvl="0"/>
             <a:r>
-              <a:rPr lang="zh-TW" altLang="en-US" smtClean="0"/>
+              <a:rPr lang="zh-TW" altLang="en-US"/>
               <a:t>按一下以編輯母片文字樣式</a:t>
             </a:r>
           </a:p>
@@ -2506,7 +2490,7 @@
             <a:fld id="{8B9173F3-6C38-4885-B6B6-FAC70369B588}" type="datetimeFigureOut">
               <a:rPr lang="zh-TW" altLang="en-US" smtClean="0"/>
               <a:pPr/>
-              <a:t>2020/1/24</a:t>
+              <a:t>2024/1/26</a:t>
             </a:fld>
             <a:endParaRPr lang="zh-TW" altLang="en-US"/>
           </a:p>
@@ -2616,10 +2600,9 @@
           <a:lstStyle/>
           <a:p>
             <a:r>
-              <a:rPr lang="zh-TW" altLang="en-US" smtClean="0"/>
+              <a:rPr lang="zh-TW" altLang="en-US"/>
               <a:t>按一下以編輯母片標題樣式</a:t>
             </a:r>
-            <a:endParaRPr lang="zh-TW" altLang="en-US"/>
           </a:p>
         </p:txBody>
       </p:sp>
@@ -2650,38 +2633,37 @@
           <a:p>
             <a:pPr lvl="0"/>
             <a:r>
-              <a:rPr lang="zh-TW" altLang="en-US" smtClean="0"/>
+              <a:rPr lang="zh-TW" altLang="en-US"/>
               <a:t>按一下以編輯母片文字樣式</a:t>
             </a:r>
           </a:p>
           <a:p>
             <a:pPr lvl="1"/>
             <a:r>
-              <a:rPr lang="zh-TW" altLang="en-US" smtClean="0"/>
+              <a:rPr lang="zh-TW" altLang="en-US"/>
               <a:t>第二層</a:t>
             </a:r>
           </a:p>
           <a:p>
             <a:pPr lvl="2"/>
             <a:r>
-              <a:rPr lang="zh-TW" altLang="en-US" smtClean="0"/>
+              <a:rPr lang="zh-TW" altLang="en-US"/>
               <a:t>第三層</a:t>
             </a:r>
           </a:p>
           <a:p>
             <a:pPr lvl="3"/>
             <a:r>
-              <a:rPr lang="zh-TW" altLang="en-US" smtClean="0"/>
+              <a:rPr lang="zh-TW" altLang="en-US"/>
               <a:t>第四層</a:t>
             </a:r>
           </a:p>
           <a:p>
             <a:pPr lvl="4"/>
             <a:r>
-              <a:rPr lang="zh-TW" altLang="en-US" smtClean="0"/>
+              <a:rPr lang="zh-TW" altLang="en-US"/>
               <a:t>第五層</a:t>
             </a:r>
-            <a:endParaRPr lang="zh-TW" altLang="en-US"/>
           </a:p>
         </p:txBody>
       </p:sp>
@@ -2721,7 +2703,7 @@
             <a:fld id="{8B9173F3-6C38-4885-B6B6-FAC70369B588}" type="datetimeFigureOut">
               <a:rPr lang="zh-TW" altLang="en-US" smtClean="0"/>
               <a:pPr/>
-              <a:t>2020/1/24</a:t>
+              <a:t>2024/1/26</a:t>
             </a:fld>
             <a:endParaRPr lang="zh-TW" altLang="en-US"/>
           </a:p>
@@ -3094,7 +3076,7 @@
       </p:grpSpPr>
       <p:sp>
         <p:nvSpPr>
-          <p:cNvPr id="2" name="標題 1"/>
+          <p:cNvPr id="4" name="標題 3"/>
           <p:cNvSpPr>
             <a:spLocks noGrp="1"/>
           </p:cNvSpPr>
@@ -3102,13 +3084,80 @@
             <p:ph type="title"/>
           </p:nvPr>
         </p:nvSpPr>
-        <p:spPr/>
-        <p:txBody>
-          <a:bodyPr/>
-          <a:lstStyle/>
-          <a:p>
-            <a:r>
-              <a:rPr lang="zh-TW" altLang="en-US" b="1" dirty="0">
+        <p:spPr>
+          <a:xfrm>
+            <a:off x="0" y="2660915"/>
+            <a:ext cx="12192000" cy="1143000"/>
+          </a:xfrm>
+        </p:spPr>
+        <p:txBody>
+          <a:bodyPr>
+            <a:noAutofit/>
+          </a:bodyPr>
+          <a:lstStyle/>
+          <a:p>
+            <a:r>
+              <a:rPr lang="zh-CN" altLang="en-US" sz="5333" b="1" u="sng" dirty="0">
+                <a:solidFill>
+                  <a:srgbClr val="000066"/>
+                </a:solidFill>
+                <a:effectLst>
+                  <a:outerShdw blurRad="38100" dist="38100" dir="2700000" algn="tl">
+                    <a:srgbClr val="000000">
+                      <a:alpha val="43137"/>
+                    </a:srgbClr>
+                  </a:outerShdw>
+                </a:effectLst>
+                <a:latin typeface="微軟正黑體" pitchFamily="34" charset="-120"/>
+                <a:ea typeface="微軟正黑體" pitchFamily="34" charset="-120"/>
+              </a:rPr>
+              <a:t>生命聖歌 </a:t>
+            </a:r>
+            <a:r>
+              <a:rPr lang="en-US" altLang="zh-CN" sz="5333" b="1" u="sng">
+                <a:solidFill>
+                  <a:srgbClr val="000066"/>
+                </a:solidFill>
+                <a:effectLst>
+                  <a:outerShdw blurRad="38100" dist="38100" dir="2700000" algn="tl">
+                    <a:srgbClr val="000000">
+                      <a:alpha val="43137"/>
+                    </a:srgbClr>
+                  </a:outerShdw>
+                </a:effectLst>
+                <a:latin typeface="微軟正黑體" pitchFamily="34" charset="-120"/>
+                <a:ea typeface="微軟正黑體" pitchFamily="34" charset="-120"/>
+              </a:rPr>
+              <a:t>8</a:t>
+            </a:r>
+            <a:br>
+              <a:rPr lang="en-US" altLang="zh-CN" sz="7200" b="1" i="1" dirty="0">
+                <a:solidFill>
+                  <a:srgbClr val="660033"/>
+                </a:solidFill>
+                <a:effectLst>
+                  <a:outerShdw blurRad="38100" dist="38100" dir="2700000" algn="tl">
+                    <a:srgbClr val="000000">
+                      <a:alpha val="43137"/>
+                    </a:srgbClr>
+                  </a:outerShdw>
+                </a:effectLst>
+                <a:latin typeface="微軟正黑體" pitchFamily="34" charset="-120"/>
+                <a:ea typeface="微軟正黑體" pitchFamily="34" charset="-120"/>
+              </a:rPr>
+            </a:br>
+            <a:r>
+              <a:rPr lang="zh-TW" altLang="en-US" sz="8000" b="1" dirty="0">
+                <a:solidFill>
+                  <a:srgbClr val="660033"/>
+                </a:solidFill>
+                <a:effectLst>
+                  <a:outerShdw blurRad="38100" dist="38100" dir="2700000" algn="tl">
+                    <a:srgbClr val="000000">
+                      <a:alpha val="43137"/>
+                    </a:srgbClr>
+                  </a:outerShdw>
+                </a:effectLst>
                 <a:latin typeface="微軟正黑體" pitchFamily="34" charset="-120"/>
                 <a:ea typeface="微軟正黑體" pitchFamily="34" charset="-120"/>
               </a:rPr>
@@ -3117,9 +3166,39 @@
           </a:p>
         </p:txBody>
       </p:sp>
-      <p:sp>
-        <p:nvSpPr>
-          <p:cNvPr id="3" name="內容版面配置區 2"/>
+    </p:spTree>
+    <p:extLst>
+      <p:ext uri="{BB962C8B-B14F-4D97-AF65-F5344CB8AC3E}">
+        <p14:creationId xmlns:p14="http://schemas.microsoft.com/office/powerpoint/2010/main" val="2543874037"/>
+      </p:ext>
+    </p:extLst>
+  </p:cSld>
+  <p:clrMapOvr>
+    <a:masterClrMapping/>
+  </p:clrMapOvr>
+</p:sld>
+</file>
+
+<file path=ppt/slides/slide10.xml><?xml version="1.0" encoding="utf-8"?>
+<p:sld xmlns:a="http://schemas.openxmlformats.org/drawingml/2006/main" xmlns:r="http://schemas.openxmlformats.org/officeDocument/2006/relationships" xmlns:p="http://schemas.openxmlformats.org/presentationml/2006/main">
+  <p:cSld>
+    <p:spTree>
+      <p:nvGrpSpPr>
+        <p:cNvPr id="1" name=""/>
+        <p:cNvGrpSpPr/>
+        <p:nvPr/>
+      </p:nvGrpSpPr>
+      <p:grpSpPr>
+        <a:xfrm>
+          <a:off x="0" y="0"/>
+          <a:ext cx="0" cy="0"/>
+          <a:chOff x="0" y="0"/>
+          <a:chExt cx="0" cy="0"/>
+        </a:xfrm>
+      </p:grpSpPr>
+      <p:sp>
+        <p:nvSpPr>
+          <p:cNvPr id="5" name="內容版面配置區 4"/>
           <p:cNvSpPr>
             <a:spLocks noGrp="1"/>
           </p:cNvSpPr>
@@ -3129,13 +3208,13 @@
         </p:nvSpPr>
         <p:spPr>
           <a:xfrm>
-            <a:off x="1524000" y="1600201"/>
-            <a:ext cx="9144000" cy="4525963"/>
+            <a:off x="0" y="2084854"/>
+            <a:ext cx="12192000" cy="2404863"/>
           </a:xfrm>
         </p:spPr>
         <p:txBody>
           <a:bodyPr anchor="ctr">
-            <a:noAutofit/>
+            <a:normAutofit/>
           </a:bodyPr>
           <a:lstStyle/>
           <a:p>
@@ -3143,82 +3222,383 @@
               <a:buNone/>
             </a:pPr>
             <a:r>
-              <a:rPr lang="zh-TW" altLang="en-US" sz="5400" b="1" dirty="0">
-                <a:latin typeface="微軟正黑體" pitchFamily="34" charset="-120"/>
-                <a:ea typeface="微軟正黑體" pitchFamily="34" charset="-120"/>
+              <a:rPr lang="zh-TW" altLang="en-US" sz="6400" b="1" dirty="0">
+                <a:solidFill>
+                  <a:srgbClr val="660033"/>
+                </a:solidFill>
+                <a:latin typeface="Microsoft JhengHei" pitchFamily="34" charset="-120"/>
+                <a:ea typeface="Microsoft JhengHei" pitchFamily="34" charset="-120"/>
               </a:rPr>
-              <a:t>榮耀歸於</a:t>
-            </a:r>
-            <a:r>
-              <a:rPr lang="zh-TW" altLang="en-US" sz="5400" b="1" dirty="0">
-                <a:latin typeface="微軟正黑體" pitchFamily="34" charset="-120"/>
-                <a:ea typeface="微軟正黑體" pitchFamily="34" charset="-120"/>
+              <a:t>父神啟示真理  祂成就大事</a:t>
+            </a:r>
+            <a:endParaRPr lang="en-US" altLang="zh-TW" sz="6400" b="1" dirty="0">
+              <a:solidFill>
+                <a:srgbClr val="660033"/>
+              </a:solidFill>
+              <a:latin typeface="Microsoft JhengHei" pitchFamily="34" charset="-120"/>
+              <a:ea typeface="Microsoft JhengHei" pitchFamily="34" charset="-120"/>
+            </a:endParaRPr>
+          </a:p>
+          <a:p>
+            <a:pPr algn="ctr">
+              <a:buNone/>
+            </a:pPr>
+            <a:r>
+              <a:rPr lang="zh-TW" altLang="en-US" sz="6400" b="1" dirty="0">
+                <a:solidFill>
+                  <a:srgbClr val="660033"/>
+                </a:solidFill>
+                <a:latin typeface="Microsoft JhengHei" pitchFamily="34" charset="-120"/>
+                <a:ea typeface="Microsoft JhengHei" pitchFamily="34" charset="-120"/>
               </a:rPr>
-              <a:t>真神</a:t>
-            </a:r>
-            <a:endParaRPr lang="en-US" altLang="zh-TW" sz="5400" b="1" dirty="0">
-              <a:latin typeface="微軟正黑體" pitchFamily="34" charset="-120"/>
-              <a:ea typeface="微軟正黑體" pitchFamily="34" charset="-120"/>
+              <a:t>藉聖子耶穌我們歡欣無比</a:t>
+            </a:r>
+            <a:endParaRPr lang="en-US" altLang="zh-TW" sz="6400" b="1" dirty="0">
+              <a:solidFill>
+                <a:srgbClr val="660033"/>
+              </a:solidFill>
+              <a:latin typeface="Microsoft JhengHei" pitchFamily="34" charset="-120"/>
+              <a:ea typeface="Microsoft JhengHei" pitchFamily="34" charset="-120"/>
             </a:endParaRPr>
           </a:p>
+        </p:txBody>
+      </p:sp>
+      <p:sp>
+        <p:nvSpPr>
+          <p:cNvPr id="3" name="TextBox 2"/>
+          <p:cNvSpPr txBox="1"/>
+          <p:nvPr/>
+        </p:nvSpPr>
+        <p:spPr>
+          <a:xfrm>
+            <a:off x="0" y="5061181"/>
+            <a:ext cx="12192000" cy="666786"/>
+          </a:xfrm>
+          <a:prstGeom prst="rect">
+            <a:avLst/>
+          </a:prstGeom>
+          <a:noFill/>
+        </p:spPr>
+        <p:txBody>
+          <a:bodyPr wrap="square" rtlCol="0">
+            <a:spAutoFit/>
+          </a:bodyPr>
+          <a:lstStyle/>
+          <a:p>
+            <a:pPr algn="ctr"/>
+            <a:r>
+              <a:rPr lang="en-US" sz="3733" b="1" dirty="0">
+                <a:solidFill>
+                  <a:srgbClr val="660033"/>
+                </a:solidFill>
+              </a:rPr>
+              <a:t>( 3 / 3 )</a:t>
+            </a:r>
+            <a:endParaRPr lang="vi-VN" sz="3733" b="1" dirty="0">
+              <a:solidFill>
+                <a:srgbClr val="660033"/>
+              </a:solidFill>
+            </a:endParaRPr>
+          </a:p>
+        </p:txBody>
+      </p:sp>
+    </p:spTree>
+    <p:extLst>
+      <p:ext uri="{BB962C8B-B14F-4D97-AF65-F5344CB8AC3E}">
+        <p14:creationId xmlns:p14="http://schemas.microsoft.com/office/powerpoint/2010/main" val="1814404582"/>
+      </p:ext>
+    </p:extLst>
+  </p:cSld>
+  <p:clrMapOvr>
+    <a:masterClrMapping/>
+  </p:clrMapOvr>
+</p:sld>
+</file>
+
+<file path=ppt/slides/slide11.xml><?xml version="1.0" encoding="utf-8"?>
+<p:sld xmlns:a="http://schemas.openxmlformats.org/drawingml/2006/main" xmlns:r="http://schemas.openxmlformats.org/officeDocument/2006/relationships" xmlns:p="http://schemas.openxmlformats.org/presentationml/2006/main">
+  <p:cSld>
+    <p:spTree>
+      <p:nvGrpSpPr>
+        <p:cNvPr id="1" name=""/>
+        <p:cNvGrpSpPr/>
+        <p:nvPr/>
+      </p:nvGrpSpPr>
+      <p:grpSpPr>
+        <a:xfrm>
+          <a:off x="0" y="0"/>
+          <a:ext cx="0" cy="0"/>
+          <a:chOff x="0" y="0"/>
+          <a:chExt cx="0" cy="0"/>
+        </a:xfrm>
+      </p:grpSpPr>
+      <p:sp>
+        <p:nvSpPr>
+          <p:cNvPr id="5" name="內容版面配置區 4"/>
+          <p:cNvSpPr>
+            <a:spLocks noGrp="1"/>
+          </p:cNvSpPr>
+          <p:nvPr>
+            <p:ph idx="1"/>
+          </p:nvPr>
+        </p:nvSpPr>
+        <p:spPr>
+          <a:xfrm>
+            <a:off x="0" y="2084854"/>
+            <a:ext cx="12192000" cy="2404863"/>
+          </a:xfrm>
+        </p:spPr>
+        <p:txBody>
+          <a:bodyPr anchor="ctr">
+            <a:normAutofit/>
+          </a:bodyPr>
+          <a:lstStyle/>
           <a:p>
             <a:pPr algn="ctr">
               <a:buNone/>
             </a:pPr>
             <a:r>
-              <a:rPr lang="zh-TW" altLang="en-US" sz="5400" b="1" dirty="0">
-                <a:latin typeface="微軟正黑體" pitchFamily="34" charset="-120"/>
-                <a:ea typeface="微軟正黑體" pitchFamily="34" charset="-120"/>
+              <a:rPr lang="zh-TW" altLang="en-US" sz="6400" b="1" dirty="0">
+                <a:solidFill>
+                  <a:srgbClr val="660033"/>
+                </a:solidFill>
+                <a:latin typeface="Microsoft JhengHei" pitchFamily="34" charset="-120"/>
+                <a:ea typeface="Microsoft JhengHei" pitchFamily="34" charset="-120"/>
               </a:rPr>
-              <a:t>祂</a:t>
-            </a:r>
-            <a:r>
-              <a:rPr lang="zh-TW" altLang="en-US" sz="5400" b="1" dirty="0">
-                <a:latin typeface="微軟正黑體" pitchFamily="34" charset="-120"/>
-                <a:ea typeface="微軟正黑體" pitchFamily="34" charset="-120"/>
+              <a:t>將來見主面我們必更驚訝</a:t>
+            </a:r>
+            <a:endParaRPr lang="en-US" altLang="zh-TW" sz="6400" b="1" dirty="0">
+              <a:solidFill>
+                <a:srgbClr val="660033"/>
+              </a:solidFill>
+              <a:latin typeface="Microsoft JhengHei" pitchFamily="34" charset="-120"/>
+              <a:ea typeface="Microsoft JhengHei" pitchFamily="34" charset="-120"/>
+            </a:endParaRPr>
+          </a:p>
+          <a:p>
+            <a:pPr algn="ctr">
+              <a:buNone/>
+            </a:pPr>
+            <a:r>
+              <a:rPr lang="zh-TW" altLang="en-US" sz="6400" b="1" dirty="0">
+                <a:solidFill>
+                  <a:srgbClr val="660033"/>
+                </a:solidFill>
+                <a:latin typeface="Microsoft JhengHei" pitchFamily="34" charset="-120"/>
+                <a:ea typeface="Microsoft JhengHei" pitchFamily="34" charset="-120"/>
               </a:rPr>
-              <a:t>成就</a:t>
-            </a:r>
-            <a:r>
-              <a:rPr lang="zh-TW" altLang="en-US" sz="5400" b="1" dirty="0">
-                <a:latin typeface="微軟正黑體" pitchFamily="34" charset="-120"/>
-                <a:ea typeface="微軟正黑體" pitchFamily="34" charset="-120"/>
+              <a:t>何等奇妙改變  更純潔無瑕</a:t>
+            </a:r>
+          </a:p>
+        </p:txBody>
+      </p:sp>
+      <p:sp>
+        <p:nvSpPr>
+          <p:cNvPr id="3" name="TextBox 2"/>
+          <p:cNvSpPr txBox="1"/>
+          <p:nvPr/>
+        </p:nvSpPr>
+        <p:spPr>
+          <a:xfrm>
+            <a:off x="0" y="5061181"/>
+            <a:ext cx="12192000" cy="666786"/>
+          </a:xfrm>
+          <a:prstGeom prst="rect">
+            <a:avLst/>
+          </a:prstGeom>
+          <a:noFill/>
+        </p:spPr>
+        <p:txBody>
+          <a:bodyPr wrap="square" rtlCol="0">
+            <a:spAutoFit/>
+          </a:bodyPr>
+          <a:lstStyle/>
+          <a:p>
+            <a:pPr algn="ctr"/>
+            <a:r>
+              <a:rPr lang="en-US" sz="3733" b="1" dirty="0">
+                <a:solidFill>
+                  <a:srgbClr val="660033"/>
+                </a:solidFill>
               </a:rPr>
-              <a:t>大事</a:t>
-            </a:r>
-            <a:endParaRPr lang="en-US" altLang="zh-TW" sz="5400" b="1" dirty="0">
-              <a:latin typeface="微軟正黑體" pitchFamily="34" charset="-120"/>
-              <a:ea typeface="微軟正黑體" pitchFamily="34" charset="-120"/>
+              <a:t>( 3 / 3 )</a:t>
+            </a:r>
+            <a:endParaRPr lang="vi-VN" sz="3733" b="1" dirty="0">
+              <a:solidFill>
+                <a:srgbClr val="660033"/>
+              </a:solidFill>
             </a:endParaRPr>
           </a:p>
+        </p:txBody>
+      </p:sp>
+    </p:spTree>
+    <p:extLst>
+      <p:ext uri="{BB962C8B-B14F-4D97-AF65-F5344CB8AC3E}">
+        <p14:creationId xmlns:p14="http://schemas.microsoft.com/office/powerpoint/2010/main" val="3572458015"/>
+      </p:ext>
+    </p:extLst>
+  </p:cSld>
+  <p:clrMapOvr>
+    <a:masterClrMapping/>
+  </p:clrMapOvr>
+</p:sld>
+</file>
+
+<file path=ppt/slides/slide12.xml><?xml version="1.0" encoding="utf-8"?>
+<p:sld xmlns:a="http://schemas.openxmlformats.org/drawingml/2006/main" xmlns:r="http://schemas.openxmlformats.org/officeDocument/2006/relationships" xmlns:p="http://schemas.openxmlformats.org/presentationml/2006/main">
+  <p:cSld>
+    <p:spTree>
+      <p:nvGrpSpPr>
+        <p:cNvPr id="1" name=""/>
+        <p:cNvGrpSpPr/>
+        <p:nvPr/>
+      </p:nvGrpSpPr>
+      <p:grpSpPr>
+        <a:xfrm>
+          <a:off x="0" y="0"/>
+          <a:ext cx="0" cy="0"/>
+          <a:chOff x="0" y="0"/>
+          <a:chExt cx="0" cy="0"/>
+        </a:xfrm>
+      </p:grpSpPr>
+      <p:sp>
+        <p:nvSpPr>
+          <p:cNvPr id="5" name="內容版面配置區 4"/>
+          <p:cNvSpPr>
+            <a:spLocks noGrp="1"/>
+          </p:cNvSpPr>
+          <p:nvPr>
+            <p:ph idx="1"/>
+          </p:nvPr>
+        </p:nvSpPr>
+        <p:spPr>
+          <a:xfrm>
+            <a:off x="0" y="2084854"/>
+            <a:ext cx="12192000" cy="2404863"/>
+          </a:xfrm>
+        </p:spPr>
+        <p:txBody>
+          <a:bodyPr anchor="ctr">
+            <a:normAutofit/>
+          </a:bodyPr>
+          <a:lstStyle/>
           <a:p>
             <a:pPr algn="ctr">
               <a:buNone/>
             </a:pPr>
             <a:r>
-              <a:rPr lang="zh-TW" altLang="en-US" sz="5400" b="1" dirty="0">
-                <a:latin typeface="微軟正黑體" pitchFamily="34" charset="-120"/>
-                <a:ea typeface="微軟正黑體" pitchFamily="34" charset="-120"/>
+              <a:rPr lang="zh-TW" altLang="en-US" sz="6400" b="1" dirty="0">
+                <a:solidFill>
+                  <a:srgbClr val="660033"/>
+                </a:solidFill>
+                <a:latin typeface="Microsoft JhengHei" pitchFamily="34" charset="-120"/>
+                <a:ea typeface="Microsoft JhengHei" pitchFamily="34" charset="-120"/>
               </a:rPr>
-              <a:t>為</a:t>
-            </a:r>
-            <a:r>
-              <a:rPr lang="zh-TW" altLang="en-US" sz="5400" b="1" dirty="0">
-                <a:latin typeface="微軟正黑體" pitchFamily="34" charset="-120"/>
-                <a:ea typeface="微軟正黑體" pitchFamily="34" charset="-120"/>
+              <a:t>讚美主  讚美主  全地聆聽主聲</a:t>
+            </a:r>
+            <a:endParaRPr lang="en-US" altLang="zh-TW" sz="6400" b="1" dirty="0">
+              <a:solidFill>
+                <a:srgbClr val="660033"/>
+              </a:solidFill>
+              <a:latin typeface="Microsoft JhengHei" pitchFamily="34" charset="-120"/>
+              <a:ea typeface="Microsoft JhengHei" pitchFamily="34" charset="-120"/>
+            </a:endParaRPr>
+          </a:p>
+          <a:p>
+            <a:pPr algn="ctr">
+              <a:buNone/>
+            </a:pPr>
+            <a:r>
+              <a:rPr lang="zh-TW" altLang="en-US" sz="6400" b="1" dirty="0">
+                <a:solidFill>
+                  <a:srgbClr val="660033"/>
+                </a:solidFill>
+                <a:latin typeface="Microsoft JhengHei" pitchFamily="34" charset="-120"/>
+                <a:ea typeface="Microsoft JhengHei" pitchFamily="34" charset="-120"/>
               </a:rPr>
-              <a:t>愛世人甚至賜下</a:t>
-            </a:r>
-            <a:r>
-              <a:rPr lang="zh-TW" altLang="en-US" sz="5400" b="1" dirty="0">
-                <a:latin typeface="微軟正黑體" pitchFamily="34" charset="-120"/>
-                <a:ea typeface="微軟正黑體" pitchFamily="34" charset="-120"/>
+              <a:t>讚美主  讚美主  萬民快樂歡欣</a:t>
+            </a:r>
+            <a:endParaRPr lang="en-US" altLang="zh-TW" sz="6400" b="1" dirty="0">
+              <a:solidFill>
+                <a:srgbClr val="660033"/>
+              </a:solidFill>
+              <a:latin typeface="Microsoft JhengHei" pitchFamily="34" charset="-120"/>
+              <a:ea typeface="Microsoft JhengHei" pitchFamily="34" charset="-120"/>
+            </a:endParaRPr>
+          </a:p>
+        </p:txBody>
+      </p:sp>
+    </p:spTree>
+    <p:extLst>
+      <p:ext uri="{BB962C8B-B14F-4D97-AF65-F5344CB8AC3E}">
+        <p14:creationId xmlns:p14="http://schemas.microsoft.com/office/powerpoint/2010/main" val="2252295078"/>
+      </p:ext>
+    </p:extLst>
+  </p:cSld>
+  <p:clrMapOvr>
+    <a:masterClrMapping/>
+  </p:clrMapOvr>
+</p:sld>
+</file>
+
+<file path=ppt/slides/slide13.xml><?xml version="1.0" encoding="utf-8"?>
+<p:sld xmlns:a="http://schemas.openxmlformats.org/drawingml/2006/main" xmlns:r="http://schemas.openxmlformats.org/officeDocument/2006/relationships" xmlns:p="http://schemas.openxmlformats.org/presentationml/2006/main">
+  <p:cSld>
+    <p:spTree>
+      <p:nvGrpSpPr>
+        <p:cNvPr id="1" name=""/>
+        <p:cNvGrpSpPr/>
+        <p:nvPr/>
+      </p:nvGrpSpPr>
+      <p:grpSpPr>
+        <a:xfrm>
+          <a:off x="0" y="0"/>
+          <a:ext cx="0" cy="0"/>
+          <a:chOff x="0" y="0"/>
+          <a:chExt cx="0" cy="0"/>
+        </a:xfrm>
+      </p:grpSpPr>
+      <p:sp>
+        <p:nvSpPr>
+          <p:cNvPr id="5" name="內容版面配置區 4"/>
+          <p:cNvSpPr>
+            <a:spLocks noGrp="1"/>
+          </p:cNvSpPr>
+          <p:nvPr>
+            <p:ph idx="1"/>
+          </p:nvPr>
+        </p:nvSpPr>
+        <p:spPr>
+          <a:xfrm>
+            <a:off x="0" y="2084854"/>
+            <a:ext cx="12192000" cy="2404863"/>
+          </a:xfrm>
+        </p:spPr>
+        <p:txBody>
+          <a:bodyPr anchor="ctr">
+            <a:normAutofit/>
+          </a:bodyPr>
+          <a:lstStyle/>
+          <a:p>
+            <a:pPr algn="ctr">
+              <a:buNone/>
+            </a:pPr>
+            <a:r>
+              <a:rPr lang="zh-TW" altLang="en-US" sz="6400" b="1" dirty="0">
+                <a:solidFill>
+                  <a:srgbClr val="660033"/>
+                </a:solidFill>
+                <a:latin typeface="Microsoft JhengHei" pitchFamily="34" charset="-120"/>
+                <a:ea typeface="Microsoft JhengHei" pitchFamily="34" charset="-120"/>
               </a:rPr>
-              <a:t>獨生子</a:t>
-            </a:r>
-            <a:endParaRPr lang="en-US" altLang="zh-TW" sz="5400" b="1" dirty="0">
-              <a:latin typeface="微軟正黑體" pitchFamily="34" charset="-120"/>
-              <a:ea typeface="微軟正黑體" pitchFamily="34" charset="-120"/>
+              <a:t>請來藉聖子耶穌來到父前</a:t>
+            </a:r>
+            <a:endParaRPr lang="en-US" altLang="zh-TW" sz="6400" b="1" dirty="0">
+              <a:solidFill>
+                <a:srgbClr val="660033"/>
+              </a:solidFill>
+              <a:latin typeface="Microsoft JhengHei" pitchFamily="34" charset="-120"/>
+              <a:ea typeface="Microsoft JhengHei" pitchFamily="34" charset="-120"/>
             </a:endParaRPr>
           </a:p>
           <a:p>
@@ -3226,92 +3606,31 @@
               <a:buNone/>
             </a:pPr>
             <a:r>
-              <a:rPr lang="zh-TW" altLang="en-US" sz="5400" b="1" dirty="0">
-                <a:latin typeface="微軟正黑體" pitchFamily="34" charset="-120"/>
-                <a:ea typeface="微軟正黑體" pitchFamily="34" charset="-120"/>
+              <a:rPr lang="zh-TW" altLang="en-US" sz="6400" b="1" dirty="0">
+                <a:solidFill>
+                  <a:srgbClr val="660033"/>
+                </a:solidFill>
+                <a:latin typeface="Microsoft JhengHei" pitchFamily="34" charset="-120"/>
+                <a:ea typeface="Microsoft JhengHei" pitchFamily="34" charset="-120"/>
               </a:rPr>
-              <a:t> </a:t>
-            </a:r>
-            <a:r>
-              <a:rPr lang="zh-TW" altLang="en-US" sz="5400" b="1" dirty="0">
-                <a:latin typeface="微軟正黑體" pitchFamily="34" charset="-120"/>
-                <a:ea typeface="微軟正黑體" pitchFamily="34" charset="-120"/>
-              </a:rPr>
-              <a:t>獻上祂</a:t>
-            </a:r>
-            <a:r>
-              <a:rPr lang="zh-TW" altLang="en-US" sz="5400" b="1" dirty="0">
-                <a:latin typeface="微軟正黑體" pitchFamily="34" charset="-120"/>
-                <a:ea typeface="微軟正黑體" pitchFamily="34" charset="-120"/>
-              </a:rPr>
-              <a:t>生命為人</a:t>
-            </a:r>
-            <a:r>
-              <a:rPr lang="zh-TW" altLang="en-US" sz="5400" b="1" dirty="0">
-                <a:latin typeface="微軟正黑體" pitchFamily="34" charset="-120"/>
-                <a:ea typeface="微軟正黑體" pitchFamily="34" charset="-120"/>
-              </a:rPr>
-              <a:t>贖罪</a:t>
-            </a:r>
-            <a:r>
-              <a:rPr lang="zh-TW" altLang="en-US" sz="5400" b="1" dirty="0">
-                <a:latin typeface="微軟正黑體" pitchFamily="34" charset="-120"/>
-                <a:ea typeface="微軟正黑體" pitchFamily="34" charset="-120"/>
-              </a:rPr>
-              <a:t>受害</a:t>
-            </a:r>
-            <a:endParaRPr lang="en-US" altLang="zh-TW" sz="5400" b="1" dirty="0">
-              <a:latin typeface="微軟正黑體" pitchFamily="34" charset="-120"/>
-              <a:ea typeface="微軟正黑體" pitchFamily="34" charset="-120"/>
+              <a:t>榮耀歸主  祂已成就大事工</a:t>
+            </a:r>
+            <a:endParaRPr lang="en-US" altLang="zh-TW" sz="6400" b="1" dirty="0">
+              <a:solidFill>
+                <a:srgbClr val="660033"/>
+              </a:solidFill>
+              <a:latin typeface="Microsoft JhengHei" pitchFamily="34" charset="-120"/>
+              <a:ea typeface="Microsoft JhengHei" pitchFamily="34" charset="-120"/>
             </a:endParaRPr>
           </a:p>
-          <a:p>
-            <a:pPr algn="ctr">
-              <a:buNone/>
-            </a:pPr>
-            <a:r>
-              <a:rPr lang="zh-TW" altLang="en-US" sz="5400" b="1" dirty="0">
-                <a:latin typeface="微軟正黑體" pitchFamily="34" charset="-120"/>
-                <a:ea typeface="微軟正黑體" pitchFamily="34" charset="-120"/>
-              </a:rPr>
-              <a:t>永生</a:t>
-            </a:r>
-            <a:r>
-              <a:rPr lang="zh-TW" altLang="en-US" sz="5400" b="1" dirty="0">
-                <a:latin typeface="微軟正黑體" pitchFamily="34" charset="-120"/>
-                <a:ea typeface="微軟正黑體" pitchFamily="34" charset="-120"/>
-              </a:rPr>
-              <a:t>門已大</a:t>
-            </a:r>
-            <a:r>
-              <a:rPr lang="zh-TW" altLang="en-US" sz="5400" b="1" dirty="0">
-                <a:latin typeface="微軟正黑體" pitchFamily="34" charset="-120"/>
-                <a:ea typeface="微軟正黑體" pitchFamily="34" charset="-120"/>
-              </a:rPr>
-              <a:t>開   人人</a:t>
-            </a:r>
-            <a:r>
-              <a:rPr lang="zh-TW" altLang="en-US" sz="5400" b="1" dirty="0">
-                <a:latin typeface="微軟正黑體" pitchFamily="34" charset="-120"/>
-                <a:ea typeface="微軟正黑體" pitchFamily="34" charset="-120"/>
-              </a:rPr>
-              <a:t>可</a:t>
-            </a:r>
-            <a:r>
-              <a:rPr lang="zh-TW" altLang="en-US" sz="5400" b="1" dirty="0">
-                <a:latin typeface="微軟正黑體" pitchFamily="34" charset="-120"/>
-                <a:ea typeface="微軟正黑體" pitchFamily="34" charset="-120"/>
-              </a:rPr>
-              <a:t>進來 </a:t>
-            </a:r>
-            <a:endParaRPr lang="zh-TW" altLang="en-US" sz="5400" b="1" dirty="0">
-              <a:latin typeface="微軟正黑體" pitchFamily="34" charset="-120"/>
-              <a:ea typeface="微軟正黑體" pitchFamily="34" charset="-120"/>
-            </a:endParaRPr>
-          </a:p>
         </p:txBody>
       </p:sp>
     </p:spTree>
+    <p:extLst>
+      <p:ext uri="{BB962C8B-B14F-4D97-AF65-F5344CB8AC3E}">
+        <p14:creationId xmlns:p14="http://schemas.microsoft.com/office/powerpoint/2010/main" val="3959156639"/>
+      </p:ext>
+    </p:extLst>
   </p:cSld>
   <p:clrMapOvr>
     <a:masterClrMapping/>
@@ -3338,161 +3657,109 @@
       </p:grpSpPr>
       <p:sp>
         <p:nvSpPr>
-          <p:cNvPr id="2" name="標題 1"/>
-          <p:cNvSpPr>
-            <a:spLocks noGrp="1"/>
-          </p:cNvSpPr>
-          <p:nvPr>
-            <p:ph type="title"/>
-          </p:nvPr>
-        </p:nvSpPr>
-        <p:spPr/>
-        <p:txBody>
-          <a:bodyPr>
+          <p:cNvPr id="5" name="內容版面配置區 4"/>
+          <p:cNvSpPr>
+            <a:spLocks noGrp="1"/>
+          </p:cNvSpPr>
+          <p:nvPr>
+            <p:ph idx="1"/>
+          </p:nvPr>
+        </p:nvSpPr>
+        <p:spPr>
+          <a:xfrm>
+            <a:off x="0" y="2084854"/>
+            <a:ext cx="12192000" cy="2404863"/>
+          </a:xfrm>
+        </p:spPr>
+        <p:txBody>
+          <a:bodyPr anchor="ctr">
             <a:normAutofit/>
           </a:bodyPr>
           <a:lstStyle/>
           <a:p>
-            <a:r>
-              <a:rPr lang="zh-TW" altLang="en-US" b="1" dirty="0">
-                <a:latin typeface="微軟正黑體" pitchFamily="34" charset="-120"/>
-                <a:ea typeface="微軟正黑體" pitchFamily="34" charset="-120"/>
+            <a:pPr algn="ctr">
+              <a:buNone/>
+            </a:pPr>
+            <a:r>
+              <a:rPr lang="zh-TW" altLang="en-US" sz="6400" b="1" dirty="0">
+                <a:solidFill>
+                  <a:srgbClr val="660033"/>
+                </a:solidFill>
+                <a:latin typeface="Microsoft JhengHei" pitchFamily="34" charset="-120"/>
+                <a:ea typeface="Microsoft JhengHei" pitchFamily="34" charset="-120"/>
               </a:rPr>
-              <a:t>榮耀歸於真神</a:t>
-            </a:r>
-          </a:p>
-        </p:txBody>
-      </p:sp>
-      <p:sp>
-        <p:nvSpPr>
-          <p:cNvPr id="3" name="內容版面配置區 2"/>
-          <p:cNvSpPr>
-            <a:spLocks noGrp="1"/>
-          </p:cNvSpPr>
-          <p:nvPr>
-            <p:ph idx="1"/>
-          </p:nvPr>
+              <a:t>榮耀歸於真神  祂成就大事</a:t>
+            </a:r>
+            <a:endParaRPr lang="en-US" altLang="zh-TW" sz="6400" b="1" dirty="0">
+              <a:solidFill>
+                <a:srgbClr val="660033"/>
+              </a:solidFill>
+              <a:latin typeface="Microsoft JhengHei" pitchFamily="34" charset="-120"/>
+              <a:ea typeface="Microsoft JhengHei" pitchFamily="34" charset="-120"/>
+            </a:endParaRPr>
+          </a:p>
+          <a:p>
+            <a:pPr algn="ctr">
+              <a:buNone/>
+            </a:pPr>
+            <a:r>
+              <a:rPr lang="zh-TW" altLang="en-US" sz="6400" b="1" dirty="0">
+                <a:solidFill>
+                  <a:srgbClr val="660033"/>
+                </a:solidFill>
+                <a:latin typeface="Microsoft JhengHei" pitchFamily="34" charset="-120"/>
+                <a:ea typeface="Microsoft JhengHei" pitchFamily="34" charset="-120"/>
+              </a:rPr>
+              <a:t>為愛世人甚至賜下獨生子</a:t>
+            </a:r>
+          </a:p>
+        </p:txBody>
+      </p:sp>
+      <p:sp>
+        <p:nvSpPr>
+          <p:cNvPr id="3" name="TextBox 2"/>
+          <p:cNvSpPr txBox="1"/>
+          <p:nvPr/>
         </p:nvSpPr>
         <p:spPr>
           <a:xfrm>
-            <a:off x="1524000" y="1600201"/>
-            <a:ext cx="9144000" cy="4525963"/>
+            <a:off x="0" y="5061181"/>
+            <a:ext cx="12192000" cy="666786"/>
           </a:xfrm>
+          <a:prstGeom prst="rect">
+            <a:avLst/>
+          </a:prstGeom>
+          <a:noFill/>
         </p:spPr>
         <p:txBody>
-          <a:bodyPr anchor="t">
-            <a:noAutofit/>
+          <a:bodyPr wrap="square" rtlCol="0">
+            <a:spAutoFit/>
           </a:bodyPr>
           <a:lstStyle/>
           <a:p>
-            <a:pPr algn="ctr">
-              <a:buNone/>
-            </a:pPr>
-            <a:r>
-              <a:rPr lang="zh-TW" altLang="en-US" sz="5400" b="1" dirty="0">
-                <a:latin typeface="微軟正黑體" pitchFamily="34" charset="-120"/>
-                <a:ea typeface="微軟正黑體" pitchFamily="34" charset="-120"/>
+            <a:pPr algn="ctr"/>
+            <a:r>
+              <a:rPr lang="en-US" sz="3733" b="1" dirty="0">
+                <a:solidFill>
+                  <a:srgbClr val="660033"/>
+                </a:solidFill>
               </a:rPr>
-              <a:t>讚美</a:t>
-            </a:r>
-            <a:r>
-              <a:rPr lang="zh-TW" altLang="en-US" sz="5400" b="1" dirty="0">
-                <a:latin typeface="微軟正黑體" pitchFamily="34" charset="-120"/>
-                <a:ea typeface="微軟正黑體" pitchFamily="34" charset="-120"/>
-              </a:rPr>
-              <a:t>主   讚美主</a:t>
-            </a:r>
-            <a:endParaRPr lang="en-US" altLang="zh-TW" sz="5400" b="1" dirty="0">
-              <a:latin typeface="微軟正黑體" pitchFamily="34" charset="-120"/>
-              <a:ea typeface="微軟正黑體" pitchFamily="34" charset="-120"/>
+              <a:t>( 1 / 3 )</a:t>
+            </a:r>
+            <a:endParaRPr lang="vi-VN" sz="3733" b="1" dirty="0">
+              <a:solidFill>
+                <a:srgbClr val="660033"/>
+              </a:solidFill>
             </a:endParaRPr>
           </a:p>
-          <a:p>
-            <a:pPr algn="ctr">
-              <a:buNone/>
-            </a:pPr>
-            <a:r>
-              <a:rPr lang="zh-TW" altLang="en-US" sz="5400" b="1" dirty="0">
-                <a:latin typeface="微軟正黑體" pitchFamily="34" charset="-120"/>
-                <a:ea typeface="微軟正黑體" pitchFamily="34" charset="-120"/>
-              </a:rPr>
-              <a:t>全</a:t>
-            </a:r>
-            <a:r>
-              <a:rPr lang="zh-TW" altLang="en-US" sz="5400" b="1" dirty="0">
-                <a:latin typeface="微軟正黑體" pitchFamily="34" charset="-120"/>
-                <a:ea typeface="微軟正黑體" pitchFamily="34" charset="-120"/>
-              </a:rPr>
-              <a:t>地聆聽主</a:t>
-            </a:r>
-            <a:r>
-              <a:rPr lang="zh-TW" altLang="en-US" sz="5400" b="1" dirty="0">
-                <a:latin typeface="微軟正黑體" pitchFamily="34" charset="-120"/>
-                <a:ea typeface="微軟正黑體" pitchFamily="34" charset="-120"/>
-              </a:rPr>
-              <a:t>聲</a:t>
-            </a:r>
-            <a:r>
-              <a:rPr lang="zh-TW" altLang="en-US" sz="5400" b="1" dirty="0">
-                <a:latin typeface="微軟正黑體" pitchFamily="34" charset="-120"/>
-                <a:ea typeface="微軟正黑體" pitchFamily="34" charset="-120"/>
-              </a:rPr>
-              <a:t>　　</a:t>
-            </a:r>
-            <a:endParaRPr lang="en-US" altLang="zh-TW" sz="5400" b="1" dirty="0">
-              <a:latin typeface="微軟正黑體" pitchFamily="34" charset="-120"/>
-              <a:ea typeface="微軟正黑體" pitchFamily="34" charset="-120"/>
-            </a:endParaRPr>
-          </a:p>
-          <a:p>
-            <a:pPr algn="ctr">
-              <a:buNone/>
-            </a:pPr>
-            <a:r>
-              <a:rPr lang="zh-TW" altLang="en-US" sz="5400" b="1" dirty="0">
-                <a:latin typeface="微軟正黑體" pitchFamily="34" charset="-120"/>
-                <a:ea typeface="微軟正黑體" pitchFamily="34" charset="-120"/>
-              </a:rPr>
-              <a:t>讚美主   讚美主</a:t>
-            </a:r>
-            <a:endParaRPr lang="en-US" altLang="zh-TW" sz="5400" b="1" dirty="0">
-              <a:latin typeface="微軟正黑體" pitchFamily="34" charset="-120"/>
-              <a:ea typeface="微軟正黑體" pitchFamily="34" charset="-120"/>
-            </a:endParaRPr>
-          </a:p>
-          <a:p>
-            <a:pPr algn="ctr">
-              <a:buNone/>
-            </a:pPr>
-            <a:r>
-              <a:rPr lang="zh-TW" altLang="en-US" sz="5400" b="1" dirty="0">
-                <a:latin typeface="微軟正黑體" pitchFamily="34" charset="-120"/>
-                <a:ea typeface="微軟正黑體" pitchFamily="34" charset="-120"/>
-              </a:rPr>
-              <a:t>萬</a:t>
-            </a:r>
-            <a:r>
-              <a:rPr lang="zh-TW" altLang="en-US" sz="5400" b="1" dirty="0">
-                <a:latin typeface="微軟正黑體" pitchFamily="34" charset="-120"/>
-                <a:ea typeface="微軟正黑體" pitchFamily="34" charset="-120"/>
-              </a:rPr>
-              <a:t>民快樂</a:t>
-            </a:r>
-            <a:r>
-              <a:rPr lang="zh-TW" altLang="en-US" sz="5400" b="1" dirty="0">
-                <a:latin typeface="微軟正黑體" pitchFamily="34" charset="-120"/>
-                <a:ea typeface="微軟正黑體" pitchFamily="34" charset="-120"/>
-              </a:rPr>
-              <a:t>歡欣</a:t>
-            </a:r>
-            <a:endParaRPr lang="en-US" altLang="zh-TW" sz="5400" b="1" dirty="0">
-              <a:latin typeface="微軟正黑體" pitchFamily="34" charset="-120"/>
-              <a:ea typeface="微軟正黑體" pitchFamily="34" charset="-120"/>
-            </a:endParaRPr>
-          </a:p>
         </p:txBody>
       </p:sp>
     </p:spTree>
+    <p:extLst>
+      <p:ext uri="{BB962C8B-B14F-4D97-AF65-F5344CB8AC3E}">
+        <p14:creationId xmlns:p14="http://schemas.microsoft.com/office/powerpoint/2010/main" val="2436590929"/>
+      </p:ext>
+    </p:extLst>
   </p:cSld>
   <p:clrMapOvr>
     <a:masterClrMapping/>
@@ -3519,152 +3786,109 @@
       </p:grpSpPr>
       <p:sp>
         <p:nvSpPr>
-          <p:cNvPr id="2" name="標題 1"/>
-          <p:cNvSpPr>
-            <a:spLocks noGrp="1"/>
-          </p:cNvSpPr>
-          <p:nvPr>
-            <p:ph type="title"/>
-          </p:nvPr>
-        </p:nvSpPr>
-        <p:spPr/>
-        <p:txBody>
-          <a:bodyPr>
+          <p:cNvPr id="5" name="內容版面配置區 4"/>
+          <p:cNvSpPr>
+            <a:spLocks noGrp="1"/>
+          </p:cNvSpPr>
+          <p:nvPr>
+            <p:ph idx="1"/>
+          </p:nvPr>
+        </p:nvSpPr>
+        <p:spPr>
+          <a:xfrm>
+            <a:off x="0" y="2084854"/>
+            <a:ext cx="12192000" cy="2404863"/>
+          </a:xfrm>
+        </p:spPr>
+        <p:txBody>
+          <a:bodyPr anchor="ctr">
             <a:normAutofit/>
           </a:bodyPr>
           <a:lstStyle/>
           <a:p>
-            <a:r>
-              <a:rPr lang="zh-TW" altLang="en-US" b="1" dirty="0">
-                <a:latin typeface="微軟正黑體" pitchFamily="34" charset="-120"/>
-                <a:ea typeface="微軟正黑體" pitchFamily="34" charset="-120"/>
+            <a:pPr algn="ctr">
+              <a:buNone/>
+            </a:pPr>
+            <a:r>
+              <a:rPr lang="zh-TW" altLang="en-US" sz="6400" b="1" dirty="0">
+                <a:solidFill>
+                  <a:srgbClr val="660033"/>
+                </a:solidFill>
+                <a:latin typeface="Microsoft JhengHei" pitchFamily="34" charset="-120"/>
+                <a:ea typeface="Microsoft JhengHei" pitchFamily="34" charset="-120"/>
               </a:rPr>
-              <a:t>榮耀歸於真神</a:t>
-            </a:r>
-          </a:p>
-        </p:txBody>
-      </p:sp>
-      <p:sp>
-        <p:nvSpPr>
-          <p:cNvPr id="3" name="內容版面配置區 2"/>
-          <p:cNvSpPr>
-            <a:spLocks noGrp="1"/>
-          </p:cNvSpPr>
-          <p:nvPr>
-            <p:ph idx="1"/>
-          </p:nvPr>
+              <a:t>獻上祂生命為人贖罪受害</a:t>
+            </a:r>
+            <a:endParaRPr lang="en-US" altLang="zh-TW" sz="6400" b="1" dirty="0">
+              <a:solidFill>
+                <a:srgbClr val="660033"/>
+              </a:solidFill>
+              <a:latin typeface="Microsoft JhengHei" pitchFamily="34" charset="-120"/>
+              <a:ea typeface="Microsoft JhengHei" pitchFamily="34" charset="-120"/>
+            </a:endParaRPr>
+          </a:p>
+          <a:p>
+            <a:pPr algn="ctr">
+              <a:buNone/>
+            </a:pPr>
+            <a:r>
+              <a:rPr lang="zh-TW" altLang="en-US" sz="6400" b="1" dirty="0">
+                <a:solidFill>
+                  <a:srgbClr val="660033"/>
+                </a:solidFill>
+                <a:latin typeface="Microsoft JhengHei" pitchFamily="34" charset="-120"/>
+                <a:ea typeface="Microsoft JhengHei" pitchFamily="34" charset="-120"/>
+              </a:rPr>
+              <a:t>永生門已大開  人人可進來 </a:t>
+            </a:r>
+          </a:p>
+        </p:txBody>
+      </p:sp>
+      <p:sp>
+        <p:nvSpPr>
+          <p:cNvPr id="3" name="TextBox 2"/>
+          <p:cNvSpPr txBox="1"/>
+          <p:nvPr/>
         </p:nvSpPr>
         <p:spPr>
           <a:xfrm>
-            <a:off x="1524000" y="1600201"/>
-            <a:ext cx="9144000" cy="4525963"/>
+            <a:off x="0" y="5061181"/>
+            <a:ext cx="12192000" cy="666786"/>
           </a:xfrm>
+          <a:prstGeom prst="rect">
+            <a:avLst/>
+          </a:prstGeom>
+          <a:noFill/>
         </p:spPr>
         <p:txBody>
-          <a:bodyPr anchor="t">
-            <a:noAutofit/>
+          <a:bodyPr wrap="square" rtlCol="0">
+            <a:spAutoFit/>
           </a:bodyPr>
           <a:lstStyle/>
           <a:p>
-            <a:pPr algn="ctr">
-              <a:buNone/>
-            </a:pPr>
-            <a:r>
-              <a:rPr lang="zh-TW" altLang="en-US" sz="5400" b="1" dirty="0">
-                <a:latin typeface="微軟正黑體" pitchFamily="34" charset="-120"/>
-                <a:ea typeface="微軟正黑體" pitchFamily="34" charset="-120"/>
+            <a:pPr algn="ctr"/>
+            <a:r>
+              <a:rPr lang="en-US" sz="3733" b="1" dirty="0">
+                <a:solidFill>
+                  <a:srgbClr val="660033"/>
+                </a:solidFill>
               </a:rPr>
-              <a:t>請</a:t>
-            </a:r>
-            <a:r>
-              <a:rPr lang="zh-TW" altLang="en-US" sz="5400" b="1" dirty="0">
-                <a:latin typeface="微軟正黑體" pitchFamily="34" charset="-120"/>
-                <a:ea typeface="微軟正黑體" pitchFamily="34" charset="-120"/>
-              </a:rPr>
-              <a:t>來藉聖子耶穌來到父</a:t>
-            </a:r>
-            <a:r>
-              <a:rPr lang="zh-TW" altLang="en-US" sz="5400" b="1" dirty="0">
-                <a:latin typeface="微軟正黑體" pitchFamily="34" charset="-120"/>
-                <a:ea typeface="微軟正黑體" pitchFamily="34" charset="-120"/>
-              </a:rPr>
-              <a:t>前</a:t>
-            </a:r>
-            <a:r>
-              <a:rPr lang="zh-TW" altLang="en-US" sz="5400" b="1" dirty="0">
-                <a:latin typeface="微軟正黑體" pitchFamily="34" charset="-120"/>
-                <a:ea typeface="微軟正黑體" pitchFamily="34" charset="-120"/>
-              </a:rPr>
-              <a:t>　　</a:t>
-            </a:r>
-            <a:endParaRPr lang="en-US" altLang="zh-TW" sz="5400" b="1" dirty="0">
-              <a:latin typeface="微軟正黑體" pitchFamily="34" charset="-120"/>
-              <a:ea typeface="微軟正黑體" pitchFamily="34" charset="-120"/>
+              <a:t>( 1 / 3 )</a:t>
+            </a:r>
+            <a:endParaRPr lang="vi-VN" sz="3733" b="1" dirty="0">
+              <a:solidFill>
+                <a:srgbClr val="660033"/>
+              </a:solidFill>
             </a:endParaRPr>
           </a:p>
-          <a:p>
-            <a:pPr algn="ctr">
-              <a:buNone/>
-            </a:pPr>
-            <a:r>
-              <a:rPr lang="zh-TW" altLang="en-US" sz="5400" b="1" dirty="0">
-                <a:latin typeface="微軟正黑體" pitchFamily="34" charset="-120"/>
-                <a:ea typeface="微軟正黑體" pitchFamily="34" charset="-120"/>
-              </a:rPr>
-              <a:t>榮耀</a:t>
-            </a:r>
-            <a:r>
-              <a:rPr lang="zh-TW" altLang="en-US" sz="5400" b="1" dirty="0">
-                <a:latin typeface="微軟正黑體" pitchFamily="34" charset="-120"/>
-                <a:ea typeface="微軟正黑體" pitchFamily="34" charset="-120"/>
-              </a:rPr>
-              <a:t>歸</a:t>
-            </a:r>
-            <a:r>
-              <a:rPr lang="zh-TW" altLang="en-US" sz="5400" b="1" dirty="0">
-                <a:latin typeface="微軟正黑體" pitchFamily="34" charset="-120"/>
-                <a:ea typeface="微軟正黑體" pitchFamily="34" charset="-120"/>
-              </a:rPr>
-              <a:t>主</a:t>
-            </a:r>
-            <a:endParaRPr lang="en-US" altLang="zh-TW" sz="5400" b="1" dirty="0">
-              <a:latin typeface="微軟正黑體" pitchFamily="34" charset="-120"/>
-              <a:ea typeface="微軟正黑體" pitchFamily="34" charset="-120"/>
-            </a:endParaRPr>
-          </a:p>
-          <a:p>
-            <a:pPr algn="ctr">
-              <a:buNone/>
-            </a:pPr>
-            <a:r>
-              <a:rPr lang="zh-TW" altLang="en-US" sz="5400" b="1" dirty="0">
-                <a:latin typeface="微軟正黑體" pitchFamily="34" charset="-120"/>
-                <a:ea typeface="微軟正黑體" pitchFamily="34" charset="-120"/>
-              </a:rPr>
-              <a:t>祂</a:t>
-            </a:r>
-            <a:r>
-              <a:rPr lang="zh-TW" altLang="en-US" sz="5400" b="1" dirty="0">
-                <a:latin typeface="微軟正黑體" pitchFamily="34" charset="-120"/>
-                <a:ea typeface="微軟正黑體" pitchFamily="34" charset="-120"/>
-              </a:rPr>
-              <a:t>已成就大事</a:t>
-            </a:r>
-            <a:r>
-              <a:rPr lang="zh-TW" altLang="en-US" sz="5400" b="1" dirty="0">
-                <a:latin typeface="微軟正黑體" pitchFamily="34" charset="-120"/>
-                <a:ea typeface="微軟正黑體" pitchFamily="34" charset="-120"/>
-              </a:rPr>
-              <a:t>工</a:t>
-            </a:r>
-            <a:endParaRPr lang="zh-TW" altLang="en-US" sz="5400" b="1" dirty="0">
-              <a:latin typeface="微軟正黑體" pitchFamily="34" charset="-120"/>
-              <a:ea typeface="微軟正黑體" pitchFamily="34" charset="-120"/>
-            </a:endParaRPr>
-          </a:p>
         </p:txBody>
       </p:sp>
     </p:spTree>
+    <p:extLst>
+      <p:ext uri="{BB962C8B-B14F-4D97-AF65-F5344CB8AC3E}">
+        <p14:creationId xmlns:p14="http://schemas.microsoft.com/office/powerpoint/2010/main" val="3883804412"/>
+      </p:ext>
+    </p:extLst>
   </p:cSld>
   <p:clrMapOvr>
     <a:masterClrMapping/>
@@ -3691,179 +3915,77 @@
       </p:grpSpPr>
       <p:sp>
         <p:nvSpPr>
-          <p:cNvPr id="2" name="標題 1"/>
-          <p:cNvSpPr>
-            <a:spLocks noGrp="1"/>
-          </p:cNvSpPr>
-          <p:nvPr>
-            <p:ph type="title"/>
-          </p:nvPr>
-        </p:nvSpPr>
-        <p:spPr/>
-        <p:txBody>
-          <a:bodyPr>
+          <p:cNvPr id="5" name="內容版面配置區 4"/>
+          <p:cNvSpPr>
+            <a:spLocks noGrp="1"/>
+          </p:cNvSpPr>
+          <p:nvPr>
+            <p:ph idx="1"/>
+          </p:nvPr>
+        </p:nvSpPr>
+        <p:spPr>
+          <a:xfrm>
+            <a:off x="0" y="2084854"/>
+            <a:ext cx="12192000" cy="2404863"/>
+          </a:xfrm>
+        </p:spPr>
+        <p:txBody>
+          <a:bodyPr anchor="ctr">
             <a:normAutofit/>
           </a:bodyPr>
           <a:lstStyle/>
           <a:p>
-            <a:r>
-              <a:rPr lang="zh-TW" altLang="en-US" b="1" dirty="0">
-                <a:latin typeface="微軟正黑體" pitchFamily="34" charset="-120"/>
-                <a:ea typeface="微軟正黑體" pitchFamily="34" charset="-120"/>
+            <a:pPr algn="ctr">
+              <a:buNone/>
+            </a:pPr>
+            <a:r>
+              <a:rPr lang="zh-TW" altLang="en-US" sz="6400" b="1" dirty="0">
+                <a:solidFill>
+                  <a:srgbClr val="660033"/>
+                </a:solidFill>
+                <a:latin typeface="Microsoft JhengHei" pitchFamily="34" charset="-120"/>
+                <a:ea typeface="Microsoft JhengHei" pitchFamily="34" charset="-120"/>
               </a:rPr>
-              <a:t>榮耀歸於真神</a:t>
-            </a:r>
-          </a:p>
-        </p:txBody>
-      </p:sp>
-      <p:sp>
-        <p:nvSpPr>
-          <p:cNvPr id="3" name="內容版面配置區 2"/>
-          <p:cNvSpPr>
-            <a:spLocks noGrp="1"/>
-          </p:cNvSpPr>
-          <p:nvPr>
-            <p:ph idx="1"/>
-          </p:nvPr>
-        </p:nvSpPr>
-        <p:spPr/>
-        <p:txBody>
-          <a:bodyPr anchor="ctr">
-            <a:noAutofit/>
-          </a:bodyPr>
-          <a:lstStyle/>
+              <a:t>讚美主  讚美主  全地聆聽主聲</a:t>
+            </a:r>
+            <a:endParaRPr lang="en-US" altLang="zh-TW" sz="6400" b="1" dirty="0">
+              <a:solidFill>
+                <a:srgbClr val="660033"/>
+              </a:solidFill>
+              <a:latin typeface="Microsoft JhengHei" pitchFamily="34" charset="-120"/>
+              <a:ea typeface="Microsoft JhengHei" pitchFamily="34" charset="-120"/>
+            </a:endParaRPr>
+          </a:p>
           <a:p>
             <a:pPr algn="ctr">
               <a:buNone/>
             </a:pPr>
             <a:r>
-              <a:rPr lang="zh-TW" altLang="en-US" sz="5400" b="1" dirty="0">
-                <a:latin typeface="微軟正黑體" pitchFamily="34" charset="-120"/>
-                <a:ea typeface="微軟正黑體" pitchFamily="34" charset="-120"/>
+              <a:rPr lang="zh-TW" altLang="en-US" sz="6400" b="1" dirty="0">
+                <a:solidFill>
+                  <a:srgbClr val="660033"/>
+                </a:solidFill>
+                <a:latin typeface="Microsoft JhengHei" pitchFamily="34" charset="-120"/>
+                <a:ea typeface="Microsoft JhengHei" pitchFamily="34" charset="-120"/>
               </a:rPr>
-              <a:t>救主流寶</a:t>
-            </a:r>
-            <a:r>
-              <a:rPr lang="zh-TW" altLang="en-US" sz="5400" b="1" dirty="0">
-                <a:latin typeface="微軟正黑體" pitchFamily="34" charset="-120"/>
-                <a:ea typeface="微軟正黑體" pitchFamily="34" charset="-120"/>
-              </a:rPr>
-              <a:t>血</a:t>
-            </a:r>
-            <a:endParaRPr lang="en-US" altLang="zh-TW" sz="5400" b="1" dirty="0">
-              <a:latin typeface="微軟正黑體" pitchFamily="34" charset="-120"/>
-              <a:ea typeface="微軟正黑體" pitchFamily="34" charset="-120"/>
+              <a:t>讚美主  讚美主  萬民快樂歡欣</a:t>
+            </a:r>
+            <a:endParaRPr lang="en-US" altLang="zh-TW" sz="6400" b="1" dirty="0">
+              <a:solidFill>
+                <a:srgbClr val="660033"/>
+              </a:solidFill>
+              <a:latin typeface="Microsoft JhengHei" pitchFamily="34" charset="-120"/>
+              <a:ea typeface="Microsoft JhengHei" pitchFamily="34" charset="-120"/>
             </a:endParaRPr>
           </a:p>
-          <a:p>
-            <a:pPr algn="ctr">
-              <a:buNone/>
-            </a:pPr>
-            <a:r>
-              <a:rPr lang="zh-TW" altLang="en-US" sz="5400" b="1" dirty="0">
-                <a:latin typeface="微軟正黑體" pitchFamily="34" charset="-120"/>
-                <a:ea typeface="微軟正黑體" pitchFamily="34" charset="-120"/>
-              </a:rPr>
-              <a:t>何等</a:t>
-            </a:r>
-            <a:r>
-              <a:rPr lang="zh-TW" altLang="en-US" sz="5400" b="1" dirty="0">
-                <a:latin typeface="微軟正黑體" pitchFamily="34" charset="-120"/>
-                <a:ea typeface="微軟正黑體" pitchFamily="34" charset="-120"/>
-              </a:rPr>
-              <a:t>全備救</a:t>
-            </a:r>
-            <a:r>
-              <a:rPr lang="zh-TW" altLang="en-US" sz="5400" b="1" dirty="0">
-                <a:latin typeface="微軟正黑體" pitchFamily="34" charset="-120"/>
-                <a:ea typeface="微軟正黑體" pitchFamily="34" charset="-120"/>
-              </a:rPr>
-              <a:t>恩</a:t>
-            </a:r>
-            <a:endParaRPr lang="en-US" altLang="zh-TW" sz="5400" b="1" dirty="0">
-              <a:latin typeface="微軟正黑體" pitchFamily="34" charset="-120"/>
-              <a:ea typeface="微軟正黑體" pitchFamily="34" charset="-120"/>
-            </a:endParaRPr>
-          </a:p>
-          <a:p>
-            <a:pPr algn="ctr">
-              <a:buNone/>
-            </a:pPr>
-            <a:r>
-              <a:rPr lang="zh-TW" altLang="en-US" sz="5400" b="1" dirty="0">
-                <a:latin typeface="微軟正黑體" pitchFamily="34" charset="-120"/>
-                <a:ea typeface="微軟正黑體" pitchFamily="34" charset="-120"/>
-              </a:rPr>
-              <a:t>真神</a:t>
-            </a:r>
-            <a:r>
-              <a:rPr lang="zh-TW" altLang="en-US" sz="5400" b="1" dirty="0">
-                <a:latin typeface="微軟正黑體" pitchFamily="34" charset="-120"/>
-                <a:ea typeface="微軟正黑體" pitchFamily="34" charset="-120"/>
-              </a:rPr>
-              <a:t>應許賜給凡信祂的</a:t>
-            </a:r>
-            <a:r>
-              <a:rPr lang="zh-TW" altLang="en-US" sz="5400" b="1" dirty="0">
-                <a:latin typeface="微軟正黑體" pitchFamily="34" charset="-120"/>
-                <a:ea typeface="微軟正黑體" pitchFamily="34" charset="-120"/>
-              </a:rPr>
-              <a:t>人</a:t>
-            </a:r>
-            <a:endParaRPr lang="en-US" altLang="zh-TW" sz="5400" b="1" dirty="0">
-              <a:latin typeface="微軟正黑體" pitchFamily="34" charset="-120"/>
-              <a:ea typeface="微軟正黑體" pitchFamily="34" charset="-120"/>
-            </a:endParaRPr>
-          </a:p>
-          <a:p>
-            <a:pPr algn="ctr">
-              <a:buNone/>
-            </a:pPr>
-            <a:r>
-              <a:rPr lang="zh-TW" altLang="en-US" sz="5400" b="1" dirty="0">
-                <a:latin typeface="微軟正黑體" pitchFamily="34" charset="-120"/>
-                <a:ea typeface="微軟正黑體" pitchFamily="34" charset="-120"/>
-              </a:rPr>
-              <a:t> </a:t>
-            </a:r>
-            <a:r>
-              <a:rPr lang="zh-TW" altLang="en-US" sz="5400" b="1" dirty="0">
-                <a:latin typeface="微軟正黑體" pitchFamily="34" charset="-120"/>
-                <a:ea typeface="微軟正黑體" pitchFamily="34" charset="-120"/>
-              </a:rPr>
-              <a:t>罪人中之罪魁若真心</a:t>
-            </a:r>
-            <a:r>
-              <a:rPr lang="zh-TW" altLang="en-US" sz="5400" b="1" dirty="0">
-                <a:latin typeface="微軟正黑體" pitchFamily="34" charset="-120"/>
-                <a:ea typeface="微軟正黑體" pitchFamily="34" charset="-120"/>
-              </a:rPr>
-              <a:t>相信</a:t>
-            </a:r>
-            <a:endParaRPr lang="en-US" altLang="zh-TW" sz="5400" b="1" dirty="0">
-              <a:latin typeface="微軟正黑體" pitchFamily="34" charset="-120"/>
-              <a:ea typeface="微軟正黑體" pitchFamily="34" charset="-120"/>
-            </a:endParaRPr>
-          </a:p>
-          <a:p>
-            <a:pPr algn="ctr">
-              <a:buNone/>
-            </a:pPr>
-            <a:r>
-              <a:rPr lang="zh-TW" altLang="en-US" sz="5400" b="1" dirty="0">
-                <a:latin typeface="微軟正黑體" pitchFamily="34" charset="-120"/>
-                <a:ea typeface="微軟正黑體" pitchFamily="34" charset="-120"/>
-              </a:rPr>
-              <a:t>一信靠主就必得赦罪之恩</a:t>
-            </a:r>
-            <a:endParaRPr lang="zh-TW" altLang="en-US" sz="5400" b="1" dirty="0">
-              <a:latin typeface="微軟正黑體" pitchFamily="34" charset="-120"/>
-              <a:ea typeface="微軟正黑體" pitchFamily="34" charset="-120"/>
-            </a:endParaRPr>
-          </a:p>
         </p:txBody>
       </p:sp>
     </p:spTree>
+    <p:extLst>
+      <p:ext uri="{BB962C8B-B14F-4D97-AF65-F5344CB8AC3E}">
+        <p14:creationId xmlns:p14="http://schemas.microsoft.com/office/powerpoint/2010/main" val="1954456034"/>
+      </p:ext>
+    </p:extLst>
   </p:cSld>
   <p:clrMapOvr>
     <a:masterClrMapping/>
@@ -3890,161 +4012,77 @@
       </p:grpSpPr>
       <p:sp>
         <p:nvSpPr>
-          <p:cNvPr id="2" name="標題 1"/>
-          <p:cNvSpPr>
-            <a:spLocks noGrp="1"/>
-          </p:cNvSpPr>
-          <p:nvPr>
-            <p:ph type="title"/>
-          </p:nvPr>
-        </p:nvSpPr>
-        <p:spPr/>
-        <p:txBody>
-          <a:bodyPr>
+          <p:cNvPr id="5" name="內容版面配置區 4"/>
+          <p:cNvSpPr>
+            <a:spLocks noGrp="1"/>
+          </p:cNvSpPr>
+          <p:nvPr>
+            <p:ph idx="1"/>
+          </p:nvPr>
+        </p:nvSpPr>
+        <p:spPr>
+          <a:xfrm>
+            <a:off x="0" y="2084854"/>
+            <a:ext cx="12192000" cy="2404863"/>
+          </a:xfrm>
+        </p:spPr>
+        <p:txBody>
+          <a:bodyPr anchor="ctr">
             <a:normAutofit/>
           </a:bodyPr>
           <a:lstStyle/>
           <a:p>
-            <a:r>
-              <a:rPr lang="zh-TW" altLang="en-US" b="1" dirty="0">
-                <a:latin typeface="微軟正黑體" pitchFamily="34" charset="-120"/>
-                <a:ea typeface="微軟正黑體" pitchFamily="34" charset="-120"/>
+            <a:pPr algn="ctr">
+              <a:buNone/>
+            </a:pPr>
+            <a:r>
+              <a:rPr lang="zh-TW" altLang="en-US" sz="6400" b="1" dirty="0">
+                <a:solidFill>
+                  <a:srgbClr val="660033"/>
+                </a:solidFill>
+                <a:latin typeface="Microsoft JhengHei" pitchFamily="34" charset="-120"/>
+                <a:ea typeface="Microsoft JhengHei" pitchFamily="34" charset="-120"/>
               </a:rPr>
-              <a:t>榮耀歸於真神</a:t>
-            </a:r>
-          </a:p>
-        </p:txBody>
-      </p:sp>
-      <p:sp>
-        <p:nvSpPr>
-          <p:cNvPr id="3" name="內容版面配置區 2"/>
-          <p:cNvSpPr>
-            <a:spLocks noGrp="1"/>
-          </p:cNvSpPr>
-          <p:nvPr>
-            <p:ph idx="1"/>
-          </p:nvPr>
-        </p:nvSpPr>
-        <p:spPr>
-          <a:xfrm>
-            <a:off x="1524000" y="1600201"/>
-            <a:ext cx="9144000" cy="4525963"/>
-          </a:xfrm>
-        </p:spPr>
-        <p:txBody>
-          <a:bodyPr anchor="t">
-            <a:noAutofit/>
-          </a:bodyPr>
-          <a:lstStyle/>
+              <a:t>請來藉聖子耶穌來到父前</a:t>
+            </a:r>
+            <a:endParaRPr lang="en-US" altLang="zh-TW" sz="6400" b="1" dirty="0">
+              <a:solidFill>
+                <a:srgbClr val="660033"/>
+              </a:solidFill>
+              <a:latin typeface="Microsoft JhengHei" pitchFamily="34" charset="-120"/>
+              <a:ea typeface="Microsoft JhengHei" pitchFamily="34" charset="-120"/>
+            </a:endParaRPr>
+          </a:p>
           <a:p>
             <a:pPr algn="ctr">
               <a:buNone/>
             </a:pPr>
             <a:r>
-              <a:rPr lang="zh-TW" altLang="en-US" sz="5400" b="1" dirty="0">
-                <a:latin typeface="微軟正黑體" pitchFamily="34" charset="-120"/>
-                <a:ea typeface="微軟正黑體" pitchFamily="34" charset="-120"/>
+              <a:rPr lang="zh-TW" altLang="en-US" sz="6400" b="1" dirty="0">
+                <a:solidFill>
+                  <a:srgbClr val="660033"/>
+                </a:solidFill>
+                <a:latin typeface="Microsoft JhengHei" pitchFamily="34" charset="-120"/>
+                <a:ea typeface="Microsoft JhengHei" pitchFamily="34" charset="-120"/>
               </a:rPr>
-              <a:t>讚美</a:t>
-            </a:r>
-            <a:r>
-              <a:rPr lang="zh-TW" altLang="en-US" sz="5400" b="1" dirty="0">
-                <a:latin typeface="微軟正黑體" pitchFamily="34" charset="-120"/>
-                <a:ea typeface="微軟正黑體" pitchFamily="34" charset="-120"/>
-              </a:rPr>
-              <a:t>主   讚美主</a:t>
-            </a:r>
-            <a:endParaRPr lang="en-US" altLang="zh-TW" sz="5400" b="1" dirty="0">
-              <a:latin typeface="微軟正黑體" pitchFamily="34" charset="-120"/>
-              <a:ea typeface="微軟正黑體" pitchFamily="34" charset="-120"/>
+              <a:t>榮耀歸主  祂已成就大事工</a:t>
+            </a:r>
+            <a:endParaRPr lang="en-US" altLang="zh-TW" sz="6400" b="1" dirty="0">
+              <a:solidFill>
+                <a:srgbClr val="660033"/>
+              </a:solidFill>
+              <a:latin typeface="Microsoft JhengHei" pitchFamily="34" charset="-120"/>
+              <a:ea typeface="Microsoft JhengHei" pitchFamily="34" charset="-120"/>
             </a:endParaRPr>
           </a:p>
-          <a:p>
-            <a:pPr algn="ctr">
-              <a:buNone/>
-            </a:pPr>
-            <a:r>
-              <a:rPr lang="zh-TW" altLang="en-US" sz="5400" b="1" dirty="0">
-                <a:latin typeface="微軟正黑體" pitchFamily="34" charset="-120"/>
-                <a:ea typeface="微軟正黑體" pitchFamily="34" charset="-120"/>
-              </a:rPr>
-              <a:t>全</a:t>
-            </a:r>
-            <a:r>
-              <a:rPr lang="zh-TW" altLang="en-US" sz="5400" b="1" dirty="0">
-                <a:latin typeface="微軟正黑體" pitchFamily="34" charset="-120"/>
-                <a:ea typeface="微軟正黑體" pitchFamily="34" charset="-120"/>
-              </a:rPr>
-              <a:t>地聆聽主</a:t>
-            </a:r>
-            <a:r>
-              <a:rPr lang="zh-TW" altLang="en-US" sz="5400" b="1" dirty="0">
-                <a:latin typeface="微軟正黑體" pitchFamily="34" charset="-120"/>
-                <a:ea typeface="微軟正黑體" pitchFamily="34" charset="-120"/>
-              </a:rPr>
-              <a:t>聲</a:t>
-            </a:r>
-            <a:r>
-              <a:rPr lang="zh-TW" altLang="en-US" sz="5400" b="1" dirty="0">
-                <a:latin typeface="微軟正黑體" pitchFamily="34" charset="-120"/>
-                <a:ea typeface="微軟正黑體" pitchFamily="34" charset="-120"/>
-              </a:rPr>
-              <a:t>　　</a:t>
-            </a:r>
-            <a:endParaRPr lang="en-US" altLang="zh-TW" sz="5400" b="1" dirty="0">
-              <a:latin typeface="微軟正黑體" pitchFamily="34" charset="-120"/>
-              <a:ea typeface="微軟正黑體" pitchFamily="34" charset="-120"/>
-            </a:endParaRPr>
-          </a:p>
-          <a:p>
-            <a:pPr algn="ctr">
-              <a:buNone/>
-            </a:pPr>
-            <a:r>
-              <a:rPr lang="zh-TW" altLang="en-US" sz="5400" b="1" dirty="0">
-                <a:latin typeface="微軟正黑體" pitchFamily="34" charset="-120"/>
-                <a:ea typeface="微軟正黑體" pitchFamily="34" charset="-120"/>
-              </a:rPr>
-              <a:t>讚美主   讚美主</a:t>
-            </a:r>
-            <a:endParaRPr lang="en-US" altLang="zh-TW" sz="5400" b="1" dirty="0">
-              <a:latin typeface="微軟正黑體" pitchFamily="34" charset="-120"/>
-              <a:ea typeface="微軟正黑體" pitchFamily="34" charset="-120"/>
-            </a:endParaRPr>
-          </a:p>
-          <a:p>
-            <a:pPr algn="ctr">
-              <a:buNone/>
-            </a:pPr>
-            <a:r>
-              <a:rPr lang="zh-TW" altLang="en-US" sz="5400" b="1" dirty="0">
-                <a:latin typeface="微軟正黑體" pitchFamily="34" charset="-120"/>
-                <a:ea typeface="微軟正黑體" pitchFamily="34" charset="-120"/>
-              </a:rPr>
-              <a:t>萬</a:t>
-            </a:r>
-            <a:r>
-              <a:rPr lang="zh-TW" altLang="en-US" sz="5400" b="1" dirty="0">
-                <a:latin typeface="微軟正黑體" pitchFamily="34" charset="-120"/>
-                <a:ea typeface="微軟正黑體" pitchFamily="34" charset="-120"/>
-              </a:rPr>
-              <a:t>民快樂</a:t>
-            </a:r>
-            <a:r>
-              <a:rPr lang="zh-TW" altLang="en-US" sz="5400" b="1" dirty="0">
-                <a:latin typeface="微軟正黑體" pitchFamily="34" charset="-120"/>
-                <a:ea typeface="微軟正黑體" pitchFamily="34" charset="-120"/>
-              </a:rPr>
-              <a:t>歡欣</a:t>
-            </a:r>
-            <a:endParaRPr lang="en-US" altLang="zh-TW" sz="5400" b="1" dirty="0">
-              <a:latin typeface="微軟正黑體" pitchFamily="34" charset="-120"/>
-              <a:ea typeface="微軟正黑體" pitchFamily="34" charset="-120"/>
-            </a:endParaRPr>
-          </a:p>
         </p:txBody>
       </p:sp>
     </p:spTree>
+    <p:extLst>
+      <p:ext uri="{BB962C8B-B14F-4D97-AF65-F5344CB8AC3E}">
+        <p14:creationId xmlns:p14="http://schemas.microsoft.com/office/powerpoint/2010/main" val="766439103"/>
+      </p:ext>
+    </p:extLst>
   </p:cSld>
   <p:clrMapOvr>
     <a:masterClrMapping/>
@@ -4071,152 +4109,116 @@
       </p:grpSpPr>
       <p:sp>
         <p:nvSpPr>
-          <p:cNvPr id="2" name="標題 1"/>
-          <p:cNvSpPr>
-            <a:spLocks noGrp="1"/>
-          </p:cNvSpPr>
-          <p:nvPr>
-            <p:ph type="title"/>
-          </p:nvPr>
-        </p:nvSpPr>
-        <p:spPr/>
-        <p:txBody>
-          <a:bodyPr>
+          <p:cNvPr id="5" name="內容版面配置區 4"/>
+          <p:cNvSpPr>
+            <a:spLocks noGrp="1"/>
+          </p:cNvSpPr>
+          <p:nvPr>
+            <p:ph idx="1"/>
+          </p:nvPr>
+        </p:nvSpPr>
+        <p:spPr>
+          <a:xfrm>
+            <a:off x="0" y="2084854"/>
+            <a:ext cx="12192000" cy="2404863"/>
+          </a:xfrm>
+        </p:spPr>
+        <p:txBody>
+          <a:bodyPr anchor="ctr">
             <a:normAutofit/>
           </a:bodyPr>
           <a:lstStyle/>
           <a:p>
-            <a:r>
-              <a:rPr lang="zh-TW" altLang="en-US" b="1" dirty="0">
-                <a:latin typeface="微軟正黑體" pitchFamily="34" charset="-120"/>
-                <a:ea typeface="微軟正黑體" pitchFamily="34" charset="-120"/>
+            <a:pPr algn="ctr">
+              <a:buNone/>
+            </a:pPr>
+            <a:r>
+              <a:rPr lang="zh-TW" altLang="en-US" sz="6400" b="1" dirty="0">
+                <a:solidFill>
+                  <a:srgbClr val="660033"/>
+                </a:solidFill>
+                <a:latin typeface="Microsoft JhengHei" pitchFamily="34" charset="-120"/>
+                <a:ea typeface="Microsoft JhengHei" pitchFamily="34" charset="-120"/>
               </a:rPr>
-              <a:t>榮耀歸於真神</a:t>
-            </a:r>
-          </a:p>
-        </p:txBody>
-      </p:sp>
-      <p:sp>
-        <p:nvSpPr>
-          <p:cNvPr id="3" name="內容版面配置區 2"/>
-          <p:cNvSpPr>
-            <a:spLocks noGrp="1"/>
-          </p:cNvSpPr>
-          <p:nvPr>
-            <p:ph idx="1"/>
-          </p:nvPr>
+              <a:t>救主流寶血  何等全備救恩</a:t>
+            </a:r>
+            <a:endParaRPr lang="en-US" altLang="zh-TW" sz="6400" b="1" dirty="0">
+              <a:solidFill>
+                <a:srgbClr val="660033"/>
+              </a:solidFill>
+              <a:latin typeface="Microsoft JhengHei" pitchFamily="34" charset="-120"/>
+              <a:ea typeface="Microsoft JhengHei" pitchFamily="34" charset="-120"/>
+            </a:endParaRPr>
+          </a:p>
+          <a:p>
+            <a:pPr algn="ctr">
+              <a:buNone/>
+            </a:pPr>
+            <a:r>
+              <a:rPr lang="zh-TW" altLang="en-US" sz="6400" b="1" dirty="0">
+                <a:solidFill>
+                  <a:srgbClr val="660033"/>
+                </a:solidFill>
+                <a:latin typeface="Microsoft JhengHei" pitchFamily="34" charset="-120"/>
+                <a:ea typeface="Microsoft JhengHei" pitchFamily="34" charset="-120"/>
+              </a:rPr>
+              <a:t>真神應許賜給凡信祂的人</a:t>
+            </a:r>
+            <a:endParaRPr lang="en-US" altLang="zh-TW" sz="6400" b="1" dirty="0">
+              <a:solidFill>
+                <a:srgbClr val="660033"/>
+              </a:solidFill>
+              <a:latin typeface="Microsoft JhengHei" pitchFamily="34" charset="-120"/>
+              <a:ea typeface="Microsoft JhengHei" pitchFamily="34" charset="-120"/>
+            </a:endParaRPr>
+          </a:p>
+        </p:txBody>
+      </p:sp>
+      <p:sp>
+        <p:nvSpPr>
+          <p:cNvPr id="3" name="TextBox 2"/>
+          <p:cNvSpPr txBox="1"/>
+          <p:nvPr/>
         </p:nvSpPr>
         <p:spPr>
           <a:xfrm>
-            <a:off x="1524000" y="1600201"/>
-            <a:ext cx="9144000" cy="4525963"/>
+            <a:off x="0" y="5061181"/>
+            <a:ext cx="12192000" cy="666786"/>
           </a:xfrm>
+          <a:prstGeom prst="rect">
+            <a:avLst/>
+          </a:prstGeom>
+          <a:noFill/>
         </p:spPr>
         <p:txBody>
-          <a:bodyPr anchor="t">
-            <a:noAutofit/>
+          <a:bodyPr wrap="square" rtlCol="0">
+            <a:spAutoFit/>
           </a:bodyPr>
           <a:lstStyle/>
           <a:p>
-            <a:pPr algn="ctr">
-              <a:buNone/>
-            </a:pPr>
-            <a:r>
-              <a:rPr lang="zh-TW" altLang="en-US" sz="5400" b="1" dirty="0">
-                <a:latin typeface="微軟正黑體" pitchFamily="34" charset="-120"/>
-                <a:ea typeface="微軟正黑體" pitchFamily="34" charset="-120"/>
+            <a:pPr algn="ctr"/>
+            <a:r>
+              <a:rPr lang="en-US" sz="3733" b="1" dirty="0">
+                <a:solidFill>
+                  <a:srgbClr val="660033"/>
+                </a:solidFill>
               </a:rPr>
-              <a:t>請</a:t>
-            </a:r>
-            <a:r>
-              <a:rPr lang="zh-TW" altLang="en-US" sz="5400" b="1" dirty="0">
-                <a:latin typeface="微軟正黑體" pitchFamily="34" charset="-120"/>
-                <a:ea typeface="微軟正黑體" pitchFamily="34" charset="-120"/>
-              </a:rPr>
-              <a:t>來藉聖子耶穌來到父</a:t>
-            </a:r>
-            <a:r>
-              <a:rPr lang="zh-TW" altLang="en-US" sz="5400" b="1" dirty="0">
-                <a:latin typeface="微軟正黑體" pitchFamily="34" charset="-120"/>
-                <a:ea typeface="微軟正黑體" pitchFamily="34" charset="-120"/>
-              </a:rPr>
-              <a:t>前</a:t>
-            </a:r>
-            <a:r>
-              <a:rPr lang="zh-TW" altLang="en-US" sz="5400" b="1" dirty="0">
-                <a:latin typeface="微軟正黑體" pitchFamily="34" charset="-120"/>
-                <a:ea typeface="微軟正黑體" pitchFamily="34" charset="-120"/>
-              </a:rPr>
-              <a:t>　　</a:t>
-            </a:r>
-            <a:endParaRPr lang="en-US" altLang="zh-TW" sz="5400" b="1" dirty="0">
-              <a:latin typeface="微軟正黑體" pitchFamily="34" charset="-120"/>
-              <a:ea typeface="微軟正黑體" pitchFamily="34" charset="-120"/>
+              <a:t>( 2 / 3 )</a:t>
+            </a:r>
+            <a:endParaRPr lang="vi-VN" sz="3733" b="1" dirty="0">
+              <a:solidFill>
+                <a:srgbClr val="660033"/>
+              </a:solidFill>
             </a:endParaRPr>
           </a:p>
-          <a:p>
-            <a:pPr algn="ctr">
-              <a:buNone/>
-            </a:pPr>
-            <a:r>
-              <a:rPr lang="zh-TW" altLang="en-US" sz="5400" b="1" dirty="0">
-                <a:latin typeface="微軟正黑體" pitchFamily="34" charset="-120"/>
-                <a:ea typeface="微軟正黑體" pitchFamily="34" charset="-120"/>
-              </a:rPr>
-              <a:t>榮耀</a:t>
-            </a:r>
-            <a:r>
-              <a:rPr lang="zh-TW" altLang="en-US" sz="5400" b="1" dirty="0">
-                <a:latin typeface="微軟正黑體" pitchFamily="34" charset="-120"/>
-                <a:ea typeface="微軟正黑體" pitchFamily="34" charset="-120"/>
-              </a:rPr>
-              <a:t>歸</a:t>
-            </a:r>
-            <a:r>
-              <a:rPr lang="zh-TW" altLang="en-US" sz="5400" b="1" dirty="0">
-                <a:latin typeface="微軟正黑體" pitchFamily="34" charset="-120"/>
-                <a:ea typeface="微軟正黑體" pitchFamily="34" charset="-120"/>
-              </a:rPr>
-              <a:t>主</a:t>
-            </a:r>
-            <a:endParaRPr lang="en-US" altLang="zh-TW" sz="5400" b="1" dirty="0">
-              <a:latin typeface="微軟正黑體" pitchFamily="34" charset="-120"/>
-              <a:ea typeface="微軟正黑體" pitchFamily="34" charset="-120"/>
-            </a:endParaRPr>
-          </a:p>
-          <a:p>
-            <a:pPr algn="ctr">
-              <a:buNone/>
-            </a:pPr>
-            <a:r>
-              <a:rPr lang="zh-TW" altLang="en-US" sz="5400" b="1" dirty="0">
-                <a:latin typeface="微軟正黑體" pitchFamily="34" charset="-120"/>
-                <a:ea typeface="微軟正黑體" pitchFamily="34" charset="-120"/>
-              </a:rPr>
-              <a:t>祂</a:t>
-            </a:r>
-            <a:r>
-              <a:rPr lang="zh-TW" altLang="en-US" sz="5400" b="1" dirty="0">
-                <a:latin typeface="微軟正黑體" pitchFamily="34" charset="-120"/>
-                <a:ea typeface="微軟正黑體" pitchFamily="34" charset="-120"/>
-              </a:rPr>
-              <a:t>已成就大事</a:t>
-            </a:r>
-            <a:r>
-              <a:rPr lang="zh-TW" altLang="en-US" sz="5400" b="1" dirty="0">
-                <a:latin typeface="微軟正黑體" pitchFamily="34" charset="-120"/>
-                <a:ea typeface="微軟正黑體" pitchFamily="34" charset="-120"/>
-              </a:rPr>
-              <a:t>工</a:t>
-            </a:r>
-            <a:endParaRPr lang="zh-TW" altLang="en-US" sz="5400" b="1" dirty="0">
-              <a:latin typeface="微軟正黑體" pitchFamily="34" charset="-120"/>
-              <a:ea typeface="微軟正黑體" pitchFamily="34" charset="-120"/>
-            </a:endParaRPr>
-          </a:p>
         </p:txBody>
       </p:sp>
     </p:spTree>
+    <p:extLst>
+      <p:ext uri="{BB962C8B-B14F-4D97-AF65-F5344CB8AC3E}">
+        <p14:creationId xmlns:p14="http://schemas.microsoft.com/office/powerpoint/2010/main" val="2335266377"/>
+      </p:ext>
+    </p:extLst>
   </p:cSld>
   <p:clrMapOvr>
     <a:masterClrMapping/>
@@ -4243,212 +4245,109 @@
       </p:grpSpPr>
       <p:sp>
         <p:nvSpPr>
-          <p:cNvPr id="2" name="標題 1"/>
-          <p:cNvSpPr>
-            <a:spLocks noGrp="1"/>
-          </p:cNvSpPr>
-          <p:nvPr>
-            <p:ph type="title"/>
-          </p:nvPr>
-        </p:nvSpPr>
-        <p:spPr/>
-        <p:txBody>
-          <a:bodyPr>
+          <p:cNvPr id="5" name="內容版面配置區 4"/>
+          <p:cNvSpPr>
+            <a:spLocks noGrp="1"/>
+          </p:cNvSpPr>
+          <p:nvPr>
+            <p:ph idx="1"/>
+          </p:nvPr>
+        </p:nvSpPr>
+        <p:spPr>
+          <a:xfrm>
+            <a:off x="0" y="2084854"/>
+            <a:ext cx="12192000" cy="2404863"/>
+          </a:xfrm>
+        </p:spPr>
+        <p:txBody>
+          <a:bodyPr anchor="ctr">
             <a:normAutofit/>
           </a:bodyPr>
           <a:lstStyle/>
           <a:p>
-            <a:r>
-              <a:rPr lang="zh-TW" altLang="en-US" b="1" dirty="0">
-                <a:latin typeface="微軟正黑體" pitchFamily="34" charset="-120"/>
-                <a:ea typeface="微軟正黑體" pitchFamily="34" charset="-120"/>
+            <a:pPr algn="ctr">
+              <a:buNone/>
+            </a:pPr>
+            <a:r>
+              <a:rPr lang="zh-TW" altLang="en-US" sz="6400" b="1" dirty="0">
+                <a:solidFill>
+                  <a:srgbClr val="660033"/>
+                </a:solidFill>
+                <a:latin typeface="Microsoft JhengHei" pitchFamily="34" charset="-120"/>
+                <a:ea typeface="Microsoft JhengHei" pitchFamily="34" charset="-120"/>
               </a:rPr>
-              <a:t>榮耀歸於真神</a:t>
-            </a:r>
-          </a:p>
-        </p:txBody>
-      </p:sp>
-      <p:sp>
-        <p:nvSpPr>
-          <p:cNvPr id="3" name="內容版面配置區 2"/>
-          <p:cNvSpPr>
-            <a:spLocks noGrp="1"/>
-          </p:cNvSpPr>
-          <p:nvPr>
-            <p:ph idx="1"/>
-          </p:nvPr>
+              <a:t>罪人中之罪魁若真心相信</a:t>
+            </a:r>
+            <a:endParaRPr lang="en-US" altLang="zh-TW" sz="6400" b="1" dirty="0">
+              <a:solidFill>
+                <a:srgbClr val="660033"/>
+              </a:solidFill>
+              <a:latin typeface="Microsoft JhengHei" pitchFamily="34" charset="-120"/>
+              <a:ea typeface="Microsoft JhengHei" pitchFamily="34" charset="-120"/>
+            </a:endParaRPr>
+          </a:p>
+          <a:p>
+            <a:pPr algn="ctr">
+              <a:buNone/>
+            </a:pPr>
+            <a:r>
+              <a:rPr lang="zh-TW" altLang="en-US" sz="6400" b="1" dirty="0">
+                <a:solidFill>
+                  <a:srgbClr val="660033"/>
+                </a:solidFill>
+                <a:latin typeface="Microsoft JhengHei" pitchFamily="34" charset="-120"/>
+                <a:ea typeface="Microsoft JhengHei" pitchFamily="34" charset="-120"/>
+              </a:rPr>
+              <a:t>一信靠主就必得赦罪之恩</a:t>
+            </a:r>
+          </a:p>
+        </p:txBody>
+      </p:sp>
+      <p:sp>
+        <p:nvSpPr>
+          <p:cNvPr id="3" name="TextBox 2"/>
+          <p:cNvSpPr txBox="1"/>
+          <p:nvPr/>
         </p:nvSpPr>
         <p:spPr>
           <a:xfrm>
-            <a:off x="1524000" y="1600201"/>
-            <a:ext cx="9144000" cy="4525963"/>
+            <a:off x="0" y="5061181"/>
+            <a:ext cx="12192000" cy="666786"/>
           </a:xfrm>
+          <a:prstGeom prst="rect">
+            <a:avLst/>
+          </a:prstGeom>
+          <a:noFill/>
         </p:spPr>
         <p:txBody>
-          <a:bodyPr anchor="ctr">
-            <a:noAutofit/>
+          <a:bodyPr wrap="square" rtlCol="0">
+            <a:spAutoFit/>
           </a:bodyPr>
           <a:lstStyle/>
           <a:p>
-            <a:pPr algn="ctr">
-              <a:buNone/>
-            </a:pPr>
-            <a:r>
-              <a:rPr lang="zh-TW" altLang="en-US" sz="5400" b="1" dirty="0">
-                <a:latin typeface="微軟正黑體" pitchFamily="34" charset="-120"/>
-                <a:ea typeface="微軟正黑體" pitchFamily="34" charset="-120"/>
+            <a:pPr algn="ctr"/>
+            <a:r>
+              <a:rPr lang="en-US" sz="3733" b="1" dirty="0">
+                <a:solidFill>
+                  <a:srgbClr val="660033"/>
+                </a:solidFill>
               </a:rPr>
-              <a:t>父神啟示</a:t>
-            </a:r>
-            <a:r>
-              <a:rPr lang="zh-TW" altLang="en-US" sz="5400" b="1" dirty="0">
-                <a:latin typeface="微軟正黑體" pitchFamily="34" charset="-120"/>
-                <a:ea typeface="微軟正黑體" pitchFamily="34" charset="-120"/>
-              </a:rPr>
-              <a:t>真理</a:t>
-            </a:r>
-            <a:endParaRPr lang="en-US" altLang="zh-TW" sz="5400" b="1" dirty="0">
-              <a:latin typeface="微軟正黑體" pitchFamily="34" charset="-120"/>
-              <a:ea typeface="微軟正黑體" pitchFamily="34" charset="-120"/>
+              <a:t>( 2 / 3 )</a:t>
+            </a:r>
+            <a:endParaRPr lang="vi-VN" sz="3733" b="1" dirty="0">
+              <a:solidFill>
+                <a:srgbClr val="660033"/>
+              </a:solidFill>
             </a:endParaRPr>
           </a:p>
-          <a:p>
-            <a:pPr algn="ctr">
-              <a:buNone/>
-            </a:pPr>
-            <a:r>
-              <a:rPr lang="zh-TW" altLang="en-US" sz="5400" b="1" dirty="0">
-                <a:latin typeface="微軟正黑體" pitchFamily="34" charset="-120"/>
-                <a:ea typeface="微軟正黑體" pitchFamily="34" charset="-120"/>
-              </a:rPr>
-              <a:t>祂</a:t>
-            </a:r>
-            <a:r>
-              <a:rPr lang="zh-TW" altLang="en-US" sz="5400" b="1" dirty="0">
-                <a:latin typeface="微軟正黑體" pitchFamily="34" charset="-120"/>
-                <a:ea typeface="微軟正黑體" pitchFamily="34" charset="-120"/>
-              </a:rPr>
-              <a:t>成就</a:t>
-            </a:r>
-            <a:r>
-              <a:rPr lang="zh-TW" altLang="en-US" sz="5400" b="1" dirty="0">
-                <a:latin typeface="微軟正黑體" pitchFamily="34" charset="-120"/>
-                <a:ea typeface="微軟正黑體" pitchFamily="34" charset="-120"/>
-              </a:rPr>
-              <a:t>大事</a:t>
-            </a:r>
-            <a:endParaRPr lang="en-US" altLang="zh-TW" sz="5400" b="1" dirty="0">
-              <a:latin typeface="微軟正黑體" pitchFamily="34" charset="-120"/>
-              <a:ea typeface="微軟正黑體" pitchFamily="34" charset="-120"/>
-            </a:endParaRPr>
-          </a:p>
-          <a:p>
-            <a:pPr algn="ctr">
-              <a:buNone/>
-            </a:pPr>
-            <a:r>
-              <a:rPr lang="zh-TW" altLang="en-US" sz="5400" b="1" dirty="0">
-                <a:latin typeface="微軟正黑體" pitchFamily="34" charset="-120"/>
-                <a:ea typeface="微軟正黑體" pitchFamily="34" charset="-120"/>
-              </a:rPr>
-              <a:t>藉</a:t>
-            </a:r>
-            <a:r>
-              <a:rPr lang="zh-TW" altLang="en-US" sz="5400" b="1" dirty="0">
-                <a:latin typeface="微軟正黑體" pitchFamily="34" charset="-120"/>
-                <a:ea typeface="微軟正黑體" pitchFamily="34" charset="-120"/>
-              </a:rPr>
-              <a:t>聖子耶穌我們歡欣</a:t>
-            </a:r>
-            <a:r>
-              <a:rPr lang="zh-TW" altLang="en-US" sz="5400" b="1" dirty="0">
-                <a:latin typeface="微軟正黑體" pitchFamily="34" charset="-120"/>
-                <a:ea typeface="微軟正黑體" pitchFamily="34" charset="-120"/>
-              </a:rPr>
-              <a:t>無比</a:t>
-            </a:r>
-            <a:endParaRPr lang="en-US" altLang="zh-TW" sz="5400" b="1" dirty="0">
-              <a:latin typeface="微軟正黑體" pitchFamily="34" charset="-120"/>
-              <a:ea typeface="微軟正黑體" pitchFamily="34" charset="-120"/>
-            </a:endParaRPr>
-          </a:p>
-          <a:p>
-            <a:pPr algn="ctr">
-              <a:buNone/>
-            </a:pPr>
-            <a:r>
-              <a:rPr lang="zh-TW" altLang="en-US" sz="5400" b="1" dirty="0">
-                <a:latin typeface="微軟正黑體" pitchFamily="34" charset="-120"/>
-                <a:ea typeface="微軟正黑體" pitchFamily="34" charset="-120"/>
-              </a:rPr>
-              <a:t> </a:t>
-            </a:r>
-            <a:r>
-              <a:rPr lang="zh-TW" altLang="en-US" sz="5400" b="1" dirty="0">
-                <a:latin typeface="微軟正黑體" pitchFamily="34" charset="-120"/>
-                <a:ea typeface="微軟正黑體" pitchFamily="34" charset="-120"/>
-              </a:rPr>
-              <a:t>將來見主面我們必更</a:t>
-            </a:r>
-            <a:r>
-              <a:rPr lang="zh-TW" altLang="en-US" sz="5400" b="1" dirty="0">
-                <a:latin typeface="微軟正黑體" pitchFamily="34" charset="-120"/>
-                <a:ea typeface="微軟正黑體" pitchFamily="34" charset="-120"/>
-              </a:rPr>
-              <a:t>驚訝</a:t>
-            </a:r>
-            <a:endParaRPr lang="en-US" altLang="zh-TW" sz="5400" b="1" dirty="0">
-              <a:latin typeface="微軟正黑體" pitchFamily="34" charset="-120"/>
-              <a:ea typeface="微軟正黑體" pitchFamily="34" charset="-120"/>
-            </a:endParaRPr>
-          </a:p>
-          <a:p>
-            <a:pPr algn="ctr">
-              <a:buNone/>
-            </a:pPr>
-            <a:r>
-              <a:rPr lang="zh-TW" altLang="en-US" sz="5400" b="1" dirty="0">
-                <a:latin typeface="微軟正黑體" pitchFamily="34" charset="-120"/>
-                <a:ea typeface="微軟正黑體" pitchFamily="34" charset="-120"/>
-              </a:rPr>
-              <a:t>何等</a:t>
-            </a:r>
-            <a:r>
-              <a:rPr lang="zh-TW" altLang="en-US" sz="5400" b="1" dirty="0">
-                <a:latin typeface="微軟正黑體" pitchFamily="34" charset="-120"/>
-                <a:ea typeface="微軟正黑體" pitchFamily="34" charset="-120"/>
-              </a:rPr>
-              <a:t>奇妙</a:t>
-            </a:r>
-            <a:r>
-              <a:rPr lang="zh-TW" altLang="en-US" sz="5400" b="1" dirty="0">
-                <a:latin typeface="微軟正黑體" pitchFamily="34" charset="-120"/>
-                <a:ea typeface="微軟正黑體" pitchFamily="34" charset="-120"/>
-              </a:rPr>
-              <a:t>改變   更</a:t>
-            </a:r>
-            <a:r>
-              <a:rPr lang="zh-TW" altLang="en-US" sz="5400" b="1" dirty="0">
-                <a:latin typeface="微軟正黑體" pitchFamily="34" charset="-120"/>
-                <a:ea typeface="微軟正黑體" pitchFamily="34" charset="-120"/>
-              </a:rPr>
-              <a:t>純潔</a:t>
-            </a:r>
-            <a:r>
-              <a:rPr lang="zh-TW" altLang="en-US" sz="5400" b="1" dirty="0">
-                <a:latin typeface="微軟正黑體" pitchFamily="34" charset="-120"/>
-                <a:ea typeface="微軟正黑體" pitchFamily="34" charset="-120"/>
-              </a:rPr>
-              <a:t>無瑕</a:t>
-            </a:r>
-            <a:endParaRPr lang="zh-TW" altLang="en-US" sz="5400" b="1" dirty="0">
-              <a:latin typeface="微軟正黑體" pitchFamily="34" charset="-120"/>
-              <a:ea typeface="微軟正黑體" pitchFamily="34" charset="-120"/>
-            </a:endParaRPr>
-          </a:p>
         </p:txBody>
       </p:sp>
     </p:spTree>
+    <p:extLst>
+      <p:ext uri="{BB962C8B-B14F-4D97-AF65-F5344CB8AC3E}">
+        <p14:creationId xmlns:p14="http://schemas.microsoft.com/office/powerpoint/2010/main" val="2409184804"/>
+      </p:ext>
+    </p:extLst>
   </p:cSld>
   <p:clrMapOvr>
     <a:masterClrMapping/>
@@ -4475,161 +4374,77 @@
       </p:grpSpPr>
       <p:sp>
         <p:nvSpPr>
-          <p:cNvPr id="2" name="標題 1"/>
-          <p:cNvSpPr>
-            <a:spLocks noGrp="1"/>
-          </p:cNvSpPr>
-          <p:nvPr>
-            <p:ph type="title"/>
-          </p:nvPr>
-        </p:nvSpPr>
-        <p:spPr/>
-        <p:txBody>
-          <a:bodyPr>
+          <p:cNvPr id="5" name="內容版面配置區 4"/>
+          <p:cNvSpPr>
+            <a:spLocks noGrp="1"/>
+          </p:cNvSpPr>
+          <p:nvPr>
+            <p:ph idx="1"/>
+          </p:nvPr>
+        </p:nvSpPr>
+        <p:spPr>
+          <a:xfrm>
+            <a:off x="0" y="2084854"/>
+            <a:ext cx="12192000" cy="2404863"/>
+          </a:xfrm>
+        </p:spPr>
+        <p:txBody>
+          <a:bodyPr anchor="ctr">
             <a:normAutofit/>
           </a:bodyPr>
           <a:lstStyle/>
           <a:p>
-            <a:r>
-              <a:rPr lang="zh-TW" altLang="en-US" b="1" dirty="0">
-                <a:latin typeface="微軟正黑體" pitchFamily="34" charset="-120"/>
-                <a:ea typeface="微軟正黑體" pitchFamily="34" charset="-120"/>
+            <a:pPr algn="ctr">
+              <a:buNone/>
+            </a:pPr>
+            <a:r>
+              <a:rPr lang="zh-TW" altLang="en-US" sz="6400" b="1" dirty="0">
+                <a:solidFill>
+                  <a:srgbClr val="660033"/>
+                </a:solidFill>
+                <a:latin typeface="Microsoft JhengHei" pitchFamily="34" charset="-120"/>
+                <a:ea typeface="Microsoft JhengHei" pitchFamily="34" charset="-120"/>
               </a:rPr>
-              <a:t>榮耀歸於真神</a:t>
-            </a:r>
-          </a:p>
-        </p:txBody>
-      </p:sp>
-      <p:sp>
-        <p:nvSpPr>
-          <p:cNvPr id="3" name="內容版面配置區 2"/>
-          <p:cNvSpPr>
-            <a:spLocks noGrp="1"/>
-          </p:cNvSpPr>
-          <p:nvPr>
-            <p:ph idx="1"/>
-          </p:nvPr>
-        </p:nvSpPr>
-        <p:spPr>
-          <a:xfrm>
-            <a:off x="1524000" y="1600201"/>
-            <a:ext cx="9144000" cy="4525963"/>
-          </a:xfrm>
-        </p:spPr>
-        <p:txBody>
-          <a:bodyPr anchor="t">
-            <a:noAutofit/>
-          </a:bodyPr>
-          <a:lstStyle/>
+              <a:t>讚美主  讚美主  全地聆聽主聲</a:t>
+            </a:r>
+            <a:endParaRPr lang="en-US" altLang="zh-TW" sz="6400" b="1" dirty="0">
+              <a:solidFill>
+                <a:srgbClr val="660033"/>
+              </a:solidFill>
+              <a:latin typeface="Microsoft JhengHei" pitchFamily="34" charset="-120"/>
+              <a:ea typeface="Microsoft JhengHei" pitchFamily="34" charset="-120"/>
+            </a:endParaRPr>
+          </a:p>
           <a:p>
             <a:pPr algn="ctr">
               <a:buNone/>
             </a:pPr>
             <a:r>
-              <a:rPr lang="zh-TW" altLang="en-US" sz="5400" b="1" dirty="0">
-                <a:latin typeface="微軟正黑體" pitchFamily="34" charset="-120"/>
-                <a:ea typeface="微軟正黑體" pitchFamily="34" charset="-120"/>
+              <a:rPr lang="zh-TW" altLang="en-US" sz="6400" b="1" dirty="0">
+                <a:solidFill>
+                  <a:srgbClr val="660033"/>
+                </a:solidFill>
+                <a:latin typeface="Microsoft JhengHei" pitchFamily="34" charset="-120"/>
+                <a:ea typeface="Microsoft JhengHei" pitchFamily="34" charset="-120"/>
               </a:rPr>
-              <a:t>讚美</a:t>
-            </a:r>
-            <a:r>
-              <a:rPr lang="zh-TW" altLang="en-US" sz="5400" b="1" dirty="0">
-                <a:latin typeface="微軟正黑體" pitchFamily="34" charset="-120"/>
-                <a:ea typeface="微軟正黑體" pitchFamily="34" charset="-120"/>
-              </a:rPr>
-              <a:t>主   讚美主</a:t>
-            </a:r>
-            <a:endParaRPr lang="en-US" altLang="zh-TW" sz="5400" b="1" dirty="0">
-              <a:latin typeface="微軟正黑體" pitchFamily="34" charset="-120"/>
-              <a:ea typeface="微軟正黑體" pitchFamily="34" charset="-120"/>
+              <a:t>讚美主  讚美主  萬民快樂歡欣</a:t>
+            </a:r>
+            <a:endParaRPr lang="en-US" altLang="zh-TW" sz="6400" b="1" dirty="0">
+              <a:solidFill>
+                <a:srgbClr val="660033"/>
+              </a:solidFill>
+              <a:latin typeface="Microsoft JhengHei" pitchFamily="34" charset="-120"/>
+              <a:ea typeface="Microsoft JhengHei" pitchFamily="34" charset="-120"/>
             </a:endParaRPr>
           </a:p>
-          <a:p>
-            <a:pPr algn="ctr">
-              <a:buNone/>
-            </a:pPr>
-            <a:r>
-              <a:rPr lang="zh-TW" altLang="en-US" sz="5400" b="1" dirty="0">
-                <a:latin typeface="微軟正黑體" pitchFamily="34" charset="-120"/>
-                <a:ea typeface="微軟正黑體" pitchFamily="34" charset="-120"/>
-              </a:rPr>
-              <a:t>全</a:t>
-            </a:r>
-            <a:r>
-              <a:rPr lang="zh-TW" altLang="en-US" sz="5400" b="1" dirty="0">
-                <a:latin typeface="微軟正黑體" pitchFamily="34" charset="-120"/>
-                <a:ea typeface="微軟正黑體" pitchFamily="34" charset="-120"/>
-              </a:rPr>
-              <a:t>地聆聽主</a:t>
-            </a:r>
-            <a:r>
-              <a:rPr lang="zh-TW" altLang="en-US" sz="5400" b="1" dirty="0">
-                <a:latin typeface="微軟正黑體" pitchFamily="34" charset="-120"/>
-                <a:ea typeface="微軟正黑體" pitchFamily="34" charset="-120"/>
-              </a:rPr>
-              <a:t>聲</a:t>
-            </a:r>
-            <a:r>
-              <a:rPr lang="zh-TW" altLang="en-US" sz="5400" b="1" dirty="0">
-                <a:latin typeface="微軟正黑體" pitchFamily="34" charset="-120"/>
-                <a:ea typeface="微軟正黑體" pitchFamily="34" charset="-120"/>
-              </a:rPr>
-              <a:t>　　</a:t>
-            </a:r>
-            <a:endParaRPr lang="en-US" altLang="zh-TW" sz="5400" b="1" dirty="0">
-              <a:latin typeface="微軟正黑體" pitchFamily="34" charset="-120"/>
-              <a:ea typeface="微軟正黑體" pitchFamily="34" charset="-120"/>
-            </a:endParaRPr>
-          </a:p>
-          <a:p>
-            <a:pPr algn="ctr">
-              <a:buNone/>
-            </a:pPr>
-            <a:r>
-              <a:rPr lang="zh-TW" altLang="en-US" sz="5400" b="1" dirty="0">
-                <a:latin typeface="微軟正黑體" pitchFamily="34" charset="-120"/>
-                <a:ea typeface="微軟正黑體" pitchFamily="34" charset="-120"/>
-              </a:rPr>
-              <a:t>讚美主   讚美主</a:t>
-            </a:r>
-            <a:endParaRPr lang="en-US" altLang="zh-TW" sz="5400" b="1" dirty="0">
-              <a:latin typeface="微軟正黑體" pitchFamily="34" charset="-120"/>
-              <a:ea typeface="微軟正黑體" pitchFamily="34" charset="-120"/>
-            </a:endParaRPr>
-          </a:p>
-          <a:p>
-            <a:pPr algn="ctr">
-              <a:buNone/>
-            </a:pPr>
-            <a:r>
-              <a:rPr lang="zh-TW" altLang="en-US" sz="5400" b="1" dirty="0">
-                <a:latin typeface="微軟正黑體" pitchFamily="34" charset="-120"/>
-                <a:ea typeface="微軟正黑體" pitchFamily="34" charset="-120"/>
-              </a:rPr>
-              <a:t>萬</a:t>
-            </a:r>
-            <a:r>
-              <a:rPr lang="zh-TW" altLang="en-US" sz="5400" b="1" dirty="0">
-                <a:latin typeface="微軟正黑體" pitchFamily="34" charset="-120"/>
-                <a:ea typeface="微軟正黑體" pitchFamily="34" charset="-120"/>
-              </a:rPr>
-              <a:t>民快樂</a:t>
-            </a:r>
-            <a:r>
-              <a:rPr lang="zh-TW" altLang="en-US" sz="5400" b="1" dirty="0">
-                <a:latin typeface="微軟正黑體" pitchFamily="34" charset="-120"/>
-                <a:ea typeface="微軟正黑體" pitchFamily="34" charset="-120"/>
-              </a:rPr>
-              <a:t>歡欣</a:t>
-            </a:r>
-            <a:endParaRPr lang="en-US" altLang="zh-TW" sz="5400" b="1" dirty="0">
-              <a:latin typeface="微軟正黑體" pitchFamily="34" charset="-120"/>
-              <a:ea typeface="微軟正黑體" pitchFamily="34" charset="-120"/>
-            </a:endParaRPr>
-          </a:p>
         </p:txBody>
       </p:sp>
     </p:spTree>
+    <p:extLst>
+      <p:ext uri="{BB962C8B-B14F-4D97-AF65-F5344CB8AC3E}">
+        <p14:creationId xmlns:p14="http://schemas.microsoft.com/office/powerpoint/2010/main" val="3064309073"/>
+      </p:ext>
+    </p:extLst>
   </p:cSld>
   <p:clrMapOvr>
     <a:masterClrMapping/>
@@ -4656,152 +4471,77 @@
       </p:grpSpPr>
       <p:sp>
         <p:nvSpPr>
-          <p:cNvPr id="2" name="標題 1"/>
-          <p:cNvSpPr>
-            <a:spLocks noGrp="1"/>
-          </p:cNvSpPr>
-          <p:nvPr>
-            <p:ph type="title"/>
-          </p:nvPr>
-        </p:nvSpPr>
-        <p:spPr/>
-        <p:txBody>
-          <a:bodyPr>
+          <p:cNvPr id="5" name="內容版面配置區 4"/>
+          <p:cNvSpPr>
+            <a:spLocks noGrp="1"/>
+          </p:cNvSpPr>
+          <p:nvPr>
+            <p:ph idx="1"/>
+          </p:nvPr>
+        </p:nvSpPr>
+        <p:spPr>
+          <a:xfrm>
+            <a:off x="0" y="2084854"/>
+            <a:ext cx="12192000" cy="2404863"/>
+          </a:xfrm>
+        </p:spPr>
+        <p:txBody>
+          <a:bodyPr anchor="ctr">
             <a:normAutofit/>
           </a:bodyPr>
           <a:lstStyle/>
           <a:p>
-            <a:r>
-              <a:rPr lang="zh-TW" altLang="en-US" b="1" dirty="0">
-                <a:latin typeface="微軟正黑體" pitchFamily="34" charset="-120"/>
-                <a:ea typeface="微軟正黑體" pitchFamily="34" charset="-120"/>
+            <a:pPr algn="ctr">
+              <a:buNone/>
+            </a:pPr>
+            <a:r>
+              <a:rPr lang="zh-TW" altLang="en-US" sz="6400" b="1" dirty="0">
+                <a:solidFill>
+                  <a:srgbClr val="660033"/>
+                </a:solidFill>
+                <a:latin typeface="Microsoft JhengHei" pitchFamily="34" charset="-120"/>
+                <a:ea typeface="Microsoft JhengHei" pitchFamily="34" charset="-120"/>
               </a:rPr>
-              <a:t>榮耀歸於真神</a:t>
-            </a:r>
-          </a:p>
-        </p:txBody>
-      </p:sp>
-      <p:sp>
-        <p:nvSpPr>
-          <p:cNvPr id="3" name="內容版面配置區 2"/>
-          <p:cNvSpPr>
-            <a:spLocks noGrp="1"/>
-          </p:cNvSpPr>
-          <p:nvPr>
-            <p:ph idx="1"/>
-          </p:nvPr>
-        </p:nvSpPr>
-        <p:spPr>
-          <a:xfrm>
-            <a:off x="1524000" y="1600201"/>
-            <a:ext cx="9144000" cy="4525963"/>
-          </a:xfrm>
-        </p:spPr>
-        <p:txBody>
-          <a:bodyPr anchor="t">
-            <a:noAutofit/>
-          </a:bodyPr>
-          <a:lstStyle/>
+              <a:t>請來藉聖子耶穌來到父前</a:t>
+            </a:r>
+            <a:endParaRPr lang="en-US" altLang="zh-TW" sz="6400" b="1" dirty="0">
+              <a:solidFill>
+                <a:srgbClr val="660033"/>
+              </a:solidFill>
+              <a:latin typeface="Microsoft JhengHei" pitchFamily="34" charset="-120"/>
+              <a:ea typeface="Microsoft JhengHei" pitchFamily="34" charset="-120"/>
+            </a:endParaRPr>
+          </a:p>
           <a:p>
             <a:pPr algn="ctr">
               <a:buNone/>
             </a:pPr>
             <a:r>
-              <a:rPr lang="zh-TW" altLang="en-US" sz="5400" b="1" dirty="0">
-                <a:latin typeface="微軟正黑體" pitchFamily="34" charset="-120"/>
-                <a:ea typeface="微軟正黑體" pitchFamily="34" charset="-120"/>
+              <a:rPr lang="zh-TW" altLang="en-US" sz="6400" b="1" dirty="0">
+                <a:solidFill>
+                  <a:srgbClr val="660033"/>
+                </a:solidFill>
+                <a:latin typeface="Microsoft JhengHei" pitchFamily="34" charset="-120"/>
+                <a:ea typeface="Microsoft JhengHei" pitchFamily="34" charset="-120"/>
               </a:rPr>
-              <a:t>請</a:t>
-            </a:r>
-            <a:r>
-              <a:rPr lang="zh-TW" altLang="en-US" sz="5400" b="1" dirty="0">
-                <a:latin typeface="微軟正黑體" pitchFamily="34" charset="-120"/>
-                <a:ea typeface="微軟正黑體" pitchFamily="34" charset="-120"/>
-              </a:rPr>
-              <a:t>來藉聖子耶穌來到父</a:t>
-            </a:r>
-            <a:r>
-              <a:rPr lang="zh-TW" altLang="en-US" sz="5400" b="1" dirty="0">
-                <a:latin typeface="微軟正黑體" pitchFamily="34" charset="-120"/>
-                <a:ea typeface="微軟正黑體" pitchFamily="34" charset="-120"/>
-              </a:rPr>
-              <a:t>前</a:t>
-            </a:r>
-            <a:r>
-              <a:rPr lang="zh-TW" altLang="en-US" sz="5400" b="1" dirty="0">
-                <a:latin typeface="微軟正黑體" pitchFamily="34" charset="-120"/>
-                <a:ea typeface="微軟正黑體" pitchFamily="34" charset="-120"/>
-              </a:rPr>
-              <a:t>　　</a:t>
-            </a:r>
-            <a:endParaRPr lang="en-US" altLang="zh-TW" sz="5400" b="1" dirty="0">
-              <a:latin typeface="微軟正黑體" pitchFamily="34" charset="-120"/>
-              <a:ea typeface="微軟正黑體" pitchFamily="34" charset="-120"/>
+              <a:t>榮耀歸主  祂已成就大事工</a:t>
+            </a:r>
+            <a:endParaRPr lang="en-US" altLang="zh-TW" sz="6400" b="1" dirty="0">
+              <a:solidFill>
+                <a:srgbClr val="660033"/>
+              </a:solidFill>
+              <a:latin typeface="Microsoft JhengHei" pitchFamily="34" charset="-120"/>
+              <a:ea typeface="Microsoft JhengHei" pitchFamily="34" charset="-120"/>
             </a:endParaRPr>
           </a:p>
-          <a:p>
-            <a:pPr algn="ctr">
-              <a:buNone/>
-            </a:pPr>
-            <a:r>
-              <a:rPr lang="zh-TW" altLang="en-US" sz="5400" b="1" dirty="0">
-                <a:latin typeface="微軟正黑體" pitchFamily="34" charset="-120"/>
-                <a:ea typeface="微軟正黑體" pitchFamily="34" charset="-120"/>
-              </a:rPr>
-              <a:t>榮耀</a:t>
-            </a:r>
-            <a:r>
-              <a:rPr lang="zh-TW" altLang="en-US" sz="5400" b="1" dirty="0">
-                <a:latin typeface="微軟正黑體" pitchFamily="34" charset="-120"/>
-                <a:ea typeface="微軟正黑體" pitchFamily="34" charset="-120"/>
-              </a:rPr>
-              <a:t>歸</a:t>
-            </a:r>
-            <a:r>
-              <a:rPr lang="zh-TW" altLang="en-US" sz="5400" b="1" dirty="0">
-                <a:latin typeface="微軟正黑體" pitchFamily="34" charset="-120"/>
-                <a:ea typeface="微軟正黑體" pitchFamily="34" charset="-120"/>
-              </a:rPr>
-              <a:t>主</a:t>
-            </a:r>
-            <a:endParaRPr lang="en-US" altLang="zh-TW" sz="5400" b="1" dirty="0">
-              <a:latin typeface="微軟正黑體" pitchFamily="34" charset="-120"/>
-              <a:ea typeface="微軟正黑體" pitchFamily="34" charset="-120"/>
-            </a:endParaRPr>
-          </a:p>
-          <a:p>
-            <a:pPr algn="ctr">
-              <a:buNone/>
-            </a:pPr>
-            <a:r>
-              <a:rPr lang="zh-TW" altLang="en-US" sz="5400" b="1" dirty="0">
-                <a:latin typeface="微軟正黑體" pitchFamily="34" charset="-120"/>
-                <a:ea typeface="微軟正黑體" pitchFamily="34" charset="-120"/>
-              </a:rPr>
-              <a:t>祂</a:t>
-            </a:r>
-            <a:r>
-              <a:rPr lang="zh-TW" altLang="en-US" sz="5400" b="1" dirty="0">
-                <a:latin typeface="微軟正黑體" pitchFamily="34" charset="-120"/>
-                <a:ea typeface="微軟正黑體" pitchFamily="34" charset="-120"/>
-              </a:rPr>
-              <a:t>已成就大事</a:t>
-            </a:r>
-            <a:r>
-              <a:rPr lang="zh-TW" altLang="en-US" sz="5400" b="1" dirty="0">
-                <a:latin typeface="微軟正黑體" pitchFamily="34" charset="-120"/>
-                <a:ea typeface="微軟正黑體" pitchFamily="34" charset="-120"/>
-              </a:rPr>
-              <a:t>工</a:t>
-            </a:r>
-            <a:endParaRPr lang="zh-TW" altLang="en-US" sz="5400" b="1" dirty="0">
-              <a:latin typeface="微軟正黑體" pitchFamily="34" charset="-120"/>
-              <a:ea typeface="微軟正黑體" pitchFamily="34" charset="-120"/>
-            </a:endParaRPr>
-          </a:p>
         </p:txBody>
       </p:sp>
     </p:spTree>
+    <p:extLst>
+      <p:ext uri="{BB962C8B-B14F-4D97-AF65-F5344CB8AC3E}">
+        <p14:creationId xmlns:p14="http://schemas.microsoft.com/office/powerpoint/2010/main" val="3272476443"/>
+      </p:ext>
+    </p:extLst>
   </p:cSld>
   <p:clrMapOvr>
     <a:masterClrMapping/>
